--- a/Templates/goldman sachs International.pptx
+++ b/Templates/goldman sachs International.pptx
@@ -880,7 +880,7 @@
           <a:p>
             <a:fld id="{515CCE07-1711-4DC7-A7D8-7ED312C82FB8}" type="datetimeFigureOut">
               <a:rPr lang="fr-FR" smtClean="0"/>
-              <a:t>28/06/2022</a:t>
+              <a:t>29/06/2022</a:t>
             </a:fld>
             <a:endParaRPr lang="fr-FR"/>
           </a:p>
@@ -1045,7 +1045,7 @@
           <a:p>
             <a:fld id="{014ABEAC-8B63-4BD1-9569-A14EB8752A94}" type="datetimeFigureOut">
               <a:rPr lang="fr-FR" smtClean="0"/>
-              <a:t>28/06/2022</a:t>
+              <a:t>29/06/2022</a:t>
             </a:fld>
             <a:endParaRPr lang="fr-FR"/>
           </a:p>
@@ -4380,7 +4380,7 @@
         <p:spPr>
           <a:xfrm>
             <a:off x="4023084" y="7477376"/>
-            <a:ext cx="3239378" cy="1338828"/>
+            <a:ext cx="3239378" cy="1231106"/>
           </a:xfrm>
           <a:prstGeom prst="rect">
             <a:avLst/>
@@ -4426,26 +4426,7 @@
                   <a:schemeClr val="tx2"/>
                 </a:solidFill>
               </a:rPr>
-              <a:t>, &lt;SJR1&gt; clôture à un &lt;SJR3&gt; supérieur à </a:t>
-            </a:r>
-            <a:r>
-              <a:rPr lang="fr-FR" sz="700" dirty="0">
-                <a:solidFill>
-                  <a:schemeClr val="tx2"/>
-                </a:solidFill>
-                <a:highlight>
-                  <a:srgbClr val="FF00FF"/>
-                </a:highlight>
-              </a:rPr>
-              <a:t>&lt;ABAC2</a:t>
-            </a:r>
-            <a:r>
-              <a:rPr lang="fr-FR" sz="700" dirty="0">
-                <a:solidFill>
-                  <a:schemeClr val="tx2"/>
-                </a:solidFill>
-              </a:rPr>
-              <a:t>&gt;. Le produit verse alors un coupon de &lt;CPN&gt; au titre de chaque &lt;F0&gt;.</a:t>
+              <a:t>, &lt;SJR1&gt; clôture à un &lt;SJR3&gt; supérieur à &lt;ABAC2&gt;. Le produit verse alors un coupon de &lt;CPN&gt; au titre de chaque &lt;F0&gt;.</a:t>
             </a:r>
           </a:p>
           <a:p>
@@ -7071,36 +7052,6 @@
           <a:chExt cx="0" cy="0"/>
         </a:xfrm>
       </p:grpSpPr>
-      <p:sp>
-        <p:nvSpPr>
-          <p:cNvPr id="2" name="Espace réservé du numéro de diapositive 1">
-            <a:extLst>
-              <a:ext uri="{FF2B5EF4-FFF2-40B4-BE49-F238E27FC236}">
-                <a16:creationId xmlns:a16="http://schemas.microsoft.com/office/drawing/2014/main" id="{0C33C7E1-5760-4AFF-97B6-9362D2C8CD65}"/>
-              </a:ext>
-            </a:extLst>
-          </p:cNvPr>
-          <p:cNvSpPr>
-            <a:spLocks noGrp="1"/>
-          </p:cNvSpPr>
-          <p:nvPr>
-            <p:ph type="sldNum" sz="quarter" idx="4"/>
-          </p:nvPr>
-        </p:nvSpPr>
-        <p:spPr/>
-        <p:txBody>
-          <a:bodyPr/>
-          <a:lstStyle/>
-          <a:p>
-            <a:fld id="{58F0BA28-1212-45AE-B075-64C06113A6D3}" type="slidenum">
-              <a:rPr lang="fr-FR" smtClean="0"/>
-              <a:pPr/>
-              <a:t>12</a:t>
-            </a:fld>
-            <a:endParaRPr lang="fr-FR" dirty="0"/>
-          </a:p>
-        </p:txBody>
-      </p:sp>
       <p:graphicFrame>
         <p:nvGraphicFramePr>
           <p:cNvPr id="4" name="Tableau 3">
@@ -7116,14 +7067,14 @@
           <p:nvPr>
             <p:extLst>
               <p:ext uri="{D42A27DB-BD31-4B8C-83A1-F6EECF244321}">
-                <p14:modId xmlns:p14="http://schemas.microsoft.com/office/powerpoint/2010/main" val="2414779296"/>
+                <p14:modId xmlns:p14="http://schemas.microsoft.com/office/powerpoint/2010/main" val="308720706"/>
               </p:ext>
             </p:extLst>
           </p:nvPr>
         </p:nvGraphicFramePr>
         <p:xfrm>
-          <a:off x="361950" y="979297"/>
-          <a:ext cx="6837886" cy="8391811"/>
+          <a:off x="359837" y="785555"/>
+          <a:ext cx="6837886" cy="8485411"/>
         </p:xfrm>
         <a:graphic>
           <a:graphicData uri="http://schemas.openxmlformats.org/drawingml/2006/table">
@@ -7147,6 +7098,171 @@
                   </a:extLst>
                 </a:gridCol>
               </a:tblGrid>
+              <a:tr h="125603">
+                <a:tc>
+                  <a:txBody>
+                    <a:bodyPr/>
+                    <a:lstStyle/>
+                    <a:p>
+                      <a:pPr marL="0" marR="0" lvl="0" indent="0" algn="l" defTabSz="755934" rtl="0" eaLnBrk="1" fontAlgn="auto" latinLnBrk="0" hangingPunct="1">
+                        <a:lnSpc>
+                          <a:spcPct val="90000"/>
+                        </a:lnSpc>
+                        <a:spcBef>
+                          <a:spcPts val="0"/>
+                        </a:spcBef>
+                        <a:spcAft>
+                          <a:spcPts val="0"/>
+                        </a:spcAft>
+                        <a:buClrTx/>
+                        <a:buSzTx/>
+                        <a:buFontTx/>
+                        <a:buNone/>
+                        <a:tabLst/>
+                        <a:defRPr/>
+                      </a:pPr>
+                      <a:endParaRPr lang="fr-FR" sz="700" b="1" kern="1200" dirty="0">
+                        <a:solidFill>
+                          <a:srgbClr val="B9A049"/>
+                        </a:solidFill>
+                        <a:latin typeface="+mn-lt"/>
+                        <a:ea typeface="+mn-ea"/>
+                        <a:cs typeface="+mn-cs"/>
+                      </a:endParaRPr>
+                    </a:p>
+                  </a:txBody>
+                  <a:tcPr marL="72000" marR="72000" marT="46800" marB="46800" anchor="ctr">
+                    <a:lnL w="12700" cap="flat" cmpd="sng" algn="ctr">
+                      <a:solidFill>
+                        <a:schemeClr val="bg1">
+                          <a:lumMod val="85000"/>
+                        </a:schemeClr>
+                      </a:solidFill>
+                      <a:prstDash val="solid"/>
+                      <a:round/>
+                      <a:headEnd type="none" w="med" len="med"/>
+                      <a:tailEnd type="none" w="med" len="med"/>
+                    </a:lnL>
+                    <a:lnR w="12700" cap="flat" cmpd="sng" algn="ctr">
+                      <a:solidFill>
+                        <a:schemeClr val="bg1"/>
+                      </a:solidFill>
+                      <a:prstDash val="solid"/>
+                      <a:round/>
+                      <a:headEnd type="none" w="med" len="med"/>
+                      <a:tailEnd type="none" w="med" len="med"/>
+                    </a:lnR>
+                    <a:lnT w="12700" cap="flat" cmpd="sng" algn="ctr">
+                      <a:solidFill>
+                        <a:schemeClr val="bg1"/>
+                      </a:solidFill>
+                      <a:prstDash val="solid"/>
+                      <a:round/>
+                      <a:headEnd type="none" w="med" len="med"/>
+                      <a:tailEnd type="none" w="med" len="med"/>
+                    </a:lnT>
+                    <a:lnB w="12700" cap="flat" cmpd="sng" algn="ctr">
+                      <a:solidFill>
+                        <a:schemeClr val="bg1"/>
+                      </a:solidFill>
+                      <a:prstDash val="solid"/>
+                      <a:round/>
+                      <a:headEnd type="none" w="med" len="med"/>
+                      <a:tailEnd type="none" w="med" len="med"/>
+                    </a:lnB>
+                    <a:lnTlToBr w="12700" cmpd="sng">
+                      <a:noFill/>
+                      <a:prstDash val="solid"/>
+                    </a:lnTlToBr>
+                    <a:lnBlToTr w="12700" cmpd="sng">
+                      <a:noFill/>
+                      <a:prstDash val="solid"/>
+                    </a:lnBlToTr>
+                    <a:solidFill>
+                      <a:schemeClr val="bg1">
+                        <a:lumMod val="95000"/>
+                      </a:schemeClr>
+                    </a:solidFill>
+                  </a:tcPr>
+                </a:tc>
+                <a:tc>
+                  <a:txBody>
+                    <a:bodyPr/>
+                    <a:lstStyle/>
+                    <a:p>
+                      <a:pPr algn="just">
+                        <a:lnSpc>
+                          <a:spcPct val="90000"/>
+                        </a:lnSpc>
+                      </a:pPr>
+                      <a:endParaRPr lang="fr-FR" sz="700" b="1" i="0" dirty="0">
+                        <a:solidFill>
+                          <a:schemeClr val="tx1"/>
+                        </a:solidFill>
+                        <a:latin typeface="+mn-lt"/>
+                      </a:endParaRPr>
+                    </a:p>
+                  </a:txBody>
+                  <a:tcPr marL="36000" marR="36000" marT="46800" marB="46800" anchor="ctr">
+                    <a:lnL w="12700" cap="flat" cmpd="sng" algn="ctr">
+                      <a:solidFill>
+                        <a:schemeClr val="bg1"/>
+                      </a:solidFill>
+                      <a:prstDash val="solid"/>
+                      <a:round/>
+                      <a:headEnd type="none" w="med" len="med"/>
+                      <a:tailEnd type="none" w="med" len="med"/>
+                    </a:lnL>
+                    <a:lnR w="6350" cap="flat" cmpd="sng" algn="ctr">
+                      <a:solidFill>
+                        <a:schemeClr val="bg1">
+                          <a:lumMod val="65000"/>
+                        </a:schemeClr>
+                      </a:solidFill>
+                      <a:prstDash val="solid"/>
+                      <a:round/>
+                      <a:headEnd type="none" w="med" len="med"/>
+                      <a:tailEnd type="none" w="med" len="med"/>
+                    </a:lnR>
+                    <a:lnT w="6350" cap="flat" cmpd="sng" algn="ctr">
+                      <a:solidFill>
+                        <a:schemeClr val="bg1">
+                          <a:lumMod val="65000"/>
+                        </a:schemeClr>
+                      </a:solidFill>
+                      <a:prstDash val="solid"/>
+                      <a:round/>
+                      <a:headEnd type="none" w="med" len="med"/>
+                      <a:tailEnd type="none" w="med" len="med"/>
+                    </a:lnT>
+                    <a:lnB w="6350" cap="flat" cmpd="sng" algn="ctr">
+                      <a:solidFill>
+                        <a:schemeClr val="bg1">
+                          <a:lumMod val="65000"/>
+                        </a:schemeClr>
+                      </a:solidFill>
+                      <a:prstDash val="solid"/>
+                      <a:round/>
+                      <a:headEnd type="none" w="med" len="med"/>
+                      <a:tailEnd type="none" w="med" len="med"/>
+                    </a:lnB>
+                    <a:lnTlToBr w="12700" cmpd="sng">
+                      <a:noFill/>
+                      <a:prstDash val="solid"/>
+                    </a:lnTlToBr>
+                    <a:lnBlToTr w="12700" cmpd="sng">
+                      <a:noFill/>
+                      <a:prstDash val="solid"/>
+                    </a:lnBlToTr>
+                    <a:noFill/>
+                  </a:tcPr>
+                </a:tc>
+                <a:extLst>
+                  <a:ext uri="{0D108BD9-81ED-4DB2-BD59-A6C34878D82A}">
+                    <a16:rowId xmlns:a16="http://schemas.microsoft.com/office/drawing/2014/main" val="2846341050"/>
+                  </a:ext>
+                </a:extLst>
+              </a:tr>
               <a:tr h="268891">
                 <a:tc>
                   <a:txBody>
@@ -13255,9 +13371,7 @@
                     </a:lnT>
                     <a:lnB w="12700" cap="flat" cmpd="sng" algn="ctr">
                       <a:solidFill>
-                        <a:schemeClr val="bg1">
-                          <a:lumMod val="85000"/>
-                        </a:schemeClr>
+                        <a:schemeClr val="tx1"/>
                       </a:solidFill>
                       <a:prstDash val="solid"/>
                       <a:round/>
@@ -13339,11 +13453,9 @@
                       <a:headEnd type="none" w="med" len="med"/>
                       <a:tailEnd type="none" w="med" len="med"/>
                     </a:lnT>
-                    <a:lnB w="6350" cap="flat" cmpd="sng" algn="ctr">
-                      <a:solidFill>
-                        <a:schemeClr val="bg1">
-                          <a:lumMod val="65000"/>
-                        </a:schemeClr>
+                    <a:lnB w="12700" cap="flat" cmpd="sng" algn="ctr">
+                      <a:solidFill>
+                        <a:schemeClr val="tx1"/>
                       </a:solidFill>
                       <a:prstDash val="solid"/>
                       <a:round/>
@@ -13371,6 +13483,36 @@
           </a:graphicData>
         </a:graphic>
       </p:graphicFrame>
+      <p:sp>
+        <p:nvSpPr>
+          <p:cNvPr id="2" name="Espace réservé du numéro de diapositive 1">
+            <a:extLst>
+              <a:ext uri="{FF2B5EF4-FFF2-40B4-BE49-F238E27FC236}">
+                <a16:creationId xmlns:a16="http://schemas.microsoft.com/office/drawing/2014/main" id="{0C33C7E1-5760-4AFF-97B6-9362D2C8CD65}"/>
+              </a:ext>
+            </a:extLst>
+          </p:cNvPr>
+          <p:cNvSpPr>
+            <a:spLocks noGrp="1"/>
+          </p:cNvSpPr>
+          <p:nvPr>
+            <p:ph type="sldNum" sz="quarter" idx="4"/>
+          </p:nvPr>
+        </p:nvSpPr>
+        <p:spPr/>
+        <p:txBody>
+          <a:bodyPr/>
+          <a:lstStyle/>
+          <a:p>
+            <a:fld id="{58F0BA28-1212-45AE-B075-64C06113A6D3}" type="slidenum">
+              <a:rPr lang="fr-FR" smtClean="0"/>
+              <a:pPr/>
+              <a:t>12</a:t>
+            </a:fld>
+            <a:endParaRPr lang="fr-FR" dirty="0"/>
+          </a:p>
+        </p:txBody>
+      </p:sp>
       <p:sp>
         <p:nvSpPr>
           <p:cNvPr id="6" name="Espace réservé du texte 11">
@@ -13748,14 +13890,14 @@
           <p:nvPr>
             <p:extLst>
               <p:ext uri="{D42A27DB-BD31-4B8C-83A1-F6EECF244321}">
-                <p14:modId xmlns:p14="http://schemas.microsoft.com/office/powerpoint/2010/main" val="4146365128"/>
+                <p14:modId xmlns:p14="http://schemas.microsoft.com/office/powerpoint/2010/main" val="428778589"/>
               </p:ext>
             </p:extLst>
           </p:nvPr>
         </p:nvGraphicFramePr>
         <p:xfrm>
-          <a:off x="360894" y="641350"/>
-          <a:ext cx="6837886" cy="8501540"/>
+          <a:off x="348006" y="429639"/>
+          <a:ext cx="6837886" cy="8415943"/>
         </p:xfrm>
         <a:graphic>
           <a:graphicData uri="http://schemas.openxmlformats.org/drawingml/2006/table">
@@ -13925,6 +14067,175 @@
                 <a:extLst>
                   <a:ext uri="{0D108BD9-81ED-4DB2-BD59-A6C34878D82A}">
                     <a16:rowId xmlns:a16="http://schemas.microsoft.com/office/drawing/2014/main" val="405921866"/>
+                  </a:ext>
+                </a:extLst>
+              </a:tr>
+              <a:tr h="174072">
+                <a:tc>
+                  <a:txBody>
+                    <a:bodyPr/>
+                    <a:lstStyle/>
+                    <a:p>
+                      <a:pPr marL="0" marR="0" lvl="0" indent="0" algn="l" defTabSz="755934" rtl="0" eaLnBrk="1" fontAlgn="auto" latinLnBrk="0" hangingPunct="1">
+                        <a:lnSpc>
+                          <a:spcPct val="90000"/>
+                        </a:lnSpc>
+                        <a:spcBef>
+                          <a:spcPts val="0"/>
+                        </a:spcBef>
+                        <a:spcAft>
+                          <a:spcPts val="0"/>
+                        </a:spcAft>
+                        <a:buClrTx/>
+                        <a:buSzTx/>
+                        <a:buFontTx/>
+                        <a:buNone/>
+                        <a:tabLst/>
+                        <a:defRPr/>
+                      </a:pPr>
+                      <a:endParaRPr lang="fr-FR" sz="700" b="1" kern="1200" dirty="0">
+                        <a:solidFill>
+                          <a:srgbClr val="B9A049"/>
+                        </a:solidFill>
+                        <a:latin typeface="+mn-lt"/>
+                        <a:ea typeface="+mn-ea"/>
+                        <a:cs typeface="+mn-cs"/>
+                      </a:endParaRPr>
+                    </a:p>
+                  </a:txBody>
+                  <a:tcPr marL="72000" marR="72000" marT="46800" marB="46800" anchor="ctr">
+                    <a:lnL w="12700" cap="flat" cmpd="sng" algn="ctr">
+                      <a:solidFill>
+                        <a:schemeClr val="bg1">
+                          <a:lumMod val="85000"/>
+                        </a:schemeClr>
+                      </a:solidFill>
+                      <a:prstDash val="solid"/>
+                      <a:round/>
+                      <a:headEnd type="none" w="med" len="med"/>
+                      <a:tailEnd type="none" w="med" len="med"/>
+                    </a:lnL>
+                    <a:lnR w="12700" cap="flat" cmpd="sng" algn="ctr">
+                      <a:solidFill>
+                        <a:schemeClr val="bg1"/>
+                      </a:solidFill>
+                      <a:prstDash val="solid"/>
+                      <a:round/>
+                      <a:headEnd type="none" w="med" len="med"/>
+                      <a:tailEnd type="none" w="med" len="med"/>
+                    </a:lnR>
+                    <a:lnT w="6350" cap="flat" cmpd="sng" algn="ctr">
+                      <a:solidFill>
+                        <a:schemeClr val="bg1">
+                          <a:lumMod val="50000"/>
+                        </a:schemeClr>
+                      </a:solidFill>
+                      <a:prstDash val="solid"/>
+                      <a:round/>
+                      <a:headEnd type="none" w="med" len="med"/>
+                      <a:tailEnd type="none" w="med" len="med"/>
+                    </a:lnT>
+                    <a:lnB w="6350" cap="flat" cmpd="sng" algn="ctr">
+                      <a:solidFill>
+                        <a:schemeClr val="bg1">
+                          <a:lumMod val="50000"/>
+                        </a:schemeClr>
+                      </a:solidFill>
+                      <a:prstDash val="solid"/>
+                      <a:round/>
+                      <a:headEnd type="none" w="med" len="med"/>
+                      <a:tailEnd type="none" w="med" len="med"/>
+                    </a:lnB>
+                    <a:lnTlToBr w="12700" cmpd="sng">
+                      <a:noFill/>
+                      <a:prstDash val="solid"/>
+                    </a:lnTlToBr>
+                    <a:lnBlToTr w="12700" cmpd="sng">
+                      <a:noFill/>
+                      <a:prstDash val="solid"/>
+                    </a:lnBlToTr>
+                    <a:solidFill>
+                      <a:schemeClr val="bg1">
+                        <a:lumMod val="95000"/>
+                      </a:schemeClr>
+                    </a:solidFill>
+                  </a:tcPr>
+                </a:tc>
+                <a:tc>
+                  <a:txBody>
+                    <a:bodyPr/>
+                    <a:lstStyle/>
+                    <a:p>
+                      <a:pPr algn="just">
+                        <a:lnSpc>
+                          <a:spcPct val="90000"/>
+                        </a:lnSpc>
+                      </a:pPr>
+                      <a:endParaRPr lang="fr-FR" sz="700" b="1" i="0" dirty="0">
+                        <a:solidFill>
+                          <a:schemeClr val="tx1"/>
+                        </a:solidFill>
+                        <a:latin typeface="+mn-lt"/>
+                      </a:endParaRPr>
+                    </a:p>
+                  </a:txBody>
+                  <a:tcPr marL="36000" marR="36000" marT="46800" marB="46800" anchor="ctr">
+                    <a:lnL w="12700" cap="flat" cmpd="sng" algn="ctr">
+                      <a:solidFill>
+                        <a:schemeClr val="bg1"/>
+                      </a:solidFill>
+                      <a:prstDash val="solid"/>
+                      <a:round/>
+                      <a:headEnd type="none" w="med" len="med"/>
+                      <a:tailEnd type="none" w="med" len="med"/>
+                    </a:lnL>
+                    <a:lnR w="6350" cap="flat" cmpd="sng" algn="ctr">
+                      <a:solidFill>
+                        <a:schemeClr val="bg1">
+                          <a:lumMod val="65000"/>
+                        </a:schemeClr>
+                      </a:solidFill>
+                      <a:prstDash val="solid"/>
+                      <a:round/>
+                      <a:headEnd type="none" w="med" len="med"/>
+                      <a:tailEnd type="none" w="med" len="med"/>
+                    </a:lnR>
+                    <a:lnT w="6350" cap="flat" cmpd="sng" algn="ctr">
+                      <a:solidFill>
+                        <a:schemeClr val="bg1">
+                          <a:lumMod val="50000"/>
+                        </a:schemeClr>
+                      </a:solidFill>
+                      <a:prstDash val="solid"/>
+                      <a:round/>
+                      <a:headEnd type="none" w="med" len="med"/>
+                      <a:tailEnd type="none" w="med" len="med"/>
+                    </a:lnT>
+                    <a:lnB w="6350" cap="flat" cmpd="sng" algn="ctr">
+                      <a:solidFill>
+                        <a:schemeClr val="bg1">
+                          <a:lumMod val="50000"/>
+                        </a:schemeClr>
+                      </a:solidFill>
+                      <a:prstDash val="solid"/>
+                      <a:round/>
+                      <a:headEnd type="none" w="med" len="med"/>
+                      <a:tailEnd type="none" w="med" len="med"/>
+                    </a:lnB>
+                    <a:lnTlToBr w="12700" cmpd="sng">
+                      <a:noFill/>
+                      <a:prstDash val="solid"/>
+                    </a:lnTlToBr>
+                    <a:lnBlToTr w="12700" cmpd="sng">
+                      <a:noFill/>
+                      <a:prstDash val="solid"/>
+                    </a:lnBlToTr>
+                    <a:noFill/>
+                  </a:tcPr>
+                </a:tc>
+                <a:extLst>
+                  <a:ext uri="{0D108BD9-81ED-4DB2-BD59-A6C34878D82A}">
+                    <a16:rowId xmlns:a16="http://schemas.microsoft.com/office/drawing/2014/main" val="1467051418"/>
                   </a:ext>
                 </a:extLst>
               </a:tr>
@@ -20037,7 +20348,7 @@
         </p:nvSpPr>
         <p:spPr>
           <a:xfrm>
-            <a:off x="458462" y="612930"/>
+            <a:off x="407669" y="623706"/>
             <a:ext cx="6804000" cy="230950"/>
           </a:xfrm>
           <a:prstGeom prst="rect">
@@ -24466,15 +24777,21 @@
                 <a:ea typeface="+mn-ea"/>
                 <a:cs typeface="+mn-cs"/>
               </a:rPr>
-              <a:t>: En acceptant de limiter leurs gains à &lt;CPN&gt; par &lt;F0&gt; écoulé (soit un Taux de Rendement Annuel net maximum de &lt;TRA.F.A&gt;%(2)), les investisseurs recevront en contrepartie l’intégralité du capital initial si &lt;SJR1&gt; ne baisse pas de plus de &lt;</a:t>
-            </a:r>
-            <a:r>
-              <a:rPr lang="fr-FR" sz="800" dirty="0">
-                <a:solidFill>
-                  <a:srgbClr val="000000"/>
-                </a:solidFill>
-              </a:rPr>
-              <a:t>PDIPERF&gt;</a:t>
+              <a:t>: En acceptant de limiter leurs gains à &lt;CPN&gt; par &lt;F0&gt; écoulé (soit un Taux de Rendement Annuel net maximum de &lt;TRA.F.A&gt;</a:t>
+            </a:r>
+            <a:r>
+              <a:rPr kumimoji="0" lang="fr-FR" sz="800" b="0" i="0" u="none" strike="noStrike" kern="1200" cap="none" spc="0" normalizeH="0" baseline="30000" noProof="0" dirty="0">
+                <a:ln>
+                  <a:noFill/>
+                </a:ln>
+                <a:effectLst/>
+                <a:uLnTx/>
+                <a:uFillTx/>
+                <a:latin typeface="Proxima Nova Rg"/>
+                <a:ea typeface="+mn-ea"/>
+                <a:cs typeface="+mn-cs"/>
+              </a:rPr>
+              <a:t>(2)</a:t>
             </a:r>
             <a:r>
               <a:rPr kumimoji="0" lang="fr-FR" sz="800" b="0" i="0" u="none" strike="noStrike" kern="1200" cap="none" spc="0" normalizeH="0" baseline="0" noProof="0" dirty="0">
@@ -24491,7 +24808,38 @@
                 <a:ea typeface="+mn-ea"/>
                 <a:cs typeface="+mn-cs"/>
               </a:rPr>
-              <a:t> par rapport à son &lt;NDR&gt; à la date de constatation finale(1).</a:t>
+              <a:t>), les investisseurs recevront en contrepartie l’intégralité du capital initial si &lt;SJR1&gt; ne baisse pas de plus de &lt;PDIPERF&gt; par rapport à son &lt;NDR&gt; à la date de constatation finale</a:t>
+            </a:r>
+            <a:r>
+              <a:rPr kumimoji="0" lang="fr-FR" sz="800" b="0" i="0" u="none" strike="noStrike" kern="1200" cap="none" spc="0" normalizeH="0" baseline="30000" noProof="0" dirty="0">
+                <a:ln>
+                  <a:noFill/>
+                </a:ln>
+                <a:effectLst/>
+                <a:uLnTx/>
+                <a:uFillTx/>
+                <a:latin typeface="Proxima Nova Rg"/>
+                <a:ea typeface="+mn-ea"/>
+                <a:cs typeface="+mn-cs"/>
+              </a:rPr>
+              <a:t>(1)</a:t>
+            </a:r>
+            <a:r>
+              <a:rPr kumimoji="0" lang="fr-FR" sz="800" b="0" i="0" u="none" strike="noStrike" kern="1200" cap="none" spc="0" normalizeH="0" baseline="0" noProof="0" dirty="0">
+                <a:ln>
+                  <a:noFill/>
+                </a:ln>
+                <a:solidFill>
+                  <a:schemeClr val="tx1"/>
+                </a:solidFill>
+                <a:effectLst/>
+                <a:uLnTx/>
+                <a:uFillTx/>
+                <a:latin typeface="Proxima Nova Rg"/>
+                <a:ea typeface="+mn-ea"/>
+                <a:cs typeface="+mn-cs"/>
+              </a:rPr>
+              <a:t>.</a:t>
             </a:r>
           </a:p>
           <a:p>
@@ -29791,19 +30139,7 @@
           <a:p>
             <a:r>
               <a:rPr lang="fr-FR" sz="800" dirty="0"/>
-              <a:t>&lt;balisedeg2&gt; </a:t>
-            </a:r>
-            <a:r>
-              <a:rPr lang="fr-FR" sz="800" dirty="0">
-                <a:highlight>
-                  <a:srgbClr val="FF00FF"/>
-                </a:highlight>
-              </a:rPr>
-              <a:t>&lt;balisedeg3</a:t>
-            </a:r>
-            <a:r>
-              <a:rPr lang="fr-FR" sz="800" dirty="0"/>
-              <a:t>&gt;</a:t>
+              <a:t>&lt;balisedeg2&gt; &lt;balisedeg3&gt;</a:t>
             </a:r>
             <a:endParaRPr lang="en-US" sz="800" dirty="0"/>
           </a:p>
@@ -32451,19 +32787,7 @@
           <a:p>
             <a:r>
               <a:rPr lang="fr-FR" sz="800" dirty="0"/>
-              <a:t>&lt;balisedeg2&gt; </a:t>
-            </a:r>
-            <a:r>
-              <a:rPr lang="fr-FR" sz="800" dirty="0">
-                <a:highlight>
-                  <a:srgbClr val="FF00FF"/>
-                </a:highlight>
-              </a:rPr>
-              <a:t>&lt;balisedeg3</a:t>
-            </a:r>
-            <a:r>
-              <a:rPr lang="fr-FR" sz="800" dirty="0"/>
-              <a:t>&gt;</a:t>
+              <a:t>&lt;balisedeg2&gt; &lt;balisedeg3&gt;</a:t>
             </a:r>
             <a:endParaRPr lang="en-US" sz="800" dirty="0"/>
           </a:p>
@@ -36607,6 +36931,18 @@
 </file>
 
 <file path=customXml/item1.xml><?xml version="1.0" encoding="utf-8"?>
+<p:properties xmlns:p="http://schemas.microsoft.com/office/2006/metadata/properties" xmlns:xsi="http://www.w3.org/2001/XMLSchema-instance" xmlns:pc="http://schemas.microsoft.com/office/infopath/2007/PartnerControls">
+  <documentManagement>
+    <_Flow_SignoffStatus xmlns="ef624bc2-1644-4d69-8362-5c28ca496374" xsi:nil="true"/>
+    <TaxCatchAll xmlns="514a554b-82b0-4359-b247-fc84018a95f0" xsi:nil="true"/>
+    <lcf76f155ced4ddcb4097134ff3c332f xmlns="ef624bc2-1644-4d69-8362-5c28ca496374">
+      <Terms xmlns="http://schemas.microsoft.com/office/infopath/2007/PartnerControls"/>
+    </lcf76f155ced4ddcb4097134ff3c332f>
+  </documentManagement>
+</p:properties>
+</file>
+
+<file path=customXml/item2.xml><?xml version="1.0" encoding="utf-8"?>
 <ct:contentTypeSchema xmlns:ct="http://schemas.microsoft.com/office/2006/metadata/contentType" xmlns:ma="http://schemas.microsoft.com/office/2006/metadata/properties/metaAttributes" ct:_="" ma:_="" ma:contentTypeName="Document" ma:contentTypeID="0x0101005DDE610BC516E448BB8152259F39635A" ma:contentTypeVersion="17" ma:contentTypeDescription="Crée un document." ma:contentTypeScope="" ma:versionID="bfb75e103009df80b8e5001438c41194">
   <xsd:schema xmlns:xsd="http://www.w3.org/2001/XMLSchema" xmlns:xs="http://www.w3.org/2001/XMLSchema" xmlns:p="http://schemas.microsoft.com/office/2006/metadata/properties" xmlns:ns2="ef624bc2-1644-4d69-8362-5c28ca496374" xmlns:ns3="514a554b-82b0-4359-b247-fc84018a95f0" targetNamespace="http://schemas.microsoft.com/office/2006/metadata/properties" ma:root="true" ma:fieldsID="2ae3df86d13efbb4a35042af2564d386" ns2:_="" ns3:_="">
     <xsd:import namespace="ef624bc2-1644-4d69-8362-5c28ca496374"/>
@@ -36855,7 +37191,7 @@
 </ct:contentTypeSchema>
 </file>
 
-<file path=customXml/item2.xml><?xml version="1.0" encoding="utf-8"?>
+<file path=customXml/item3.xml><?xml version="1.0" encoding="utf-8"?>
 <?mso-contentType ?>
 <FormTemplates xmlns="http://schemas.microsoft.com/sharepoint/v3/contenttype/forms">
   <Display>DocumentLibraryForm</Display>
@@ -36864,19 +37200,25 @@
 </FormTemplates>
 </file>
 
-<file path=customXml/item3.xml><?xml version="1.0" encoding="utf-8"?>
-<p:properties xmlns:p="http://schemas.microsoft.com/office/2006/metadata/properties" xmlns:xsi="http://www.w3.org/2001/XMLSchema-instance" xmlns:pc="http://schemas.microsoft.com/office/infopath/2007/PartnerControls">
-  <documentManagement>
-    <_Flow_SignoffStatus xmlns="ef624bc2-1644-4d69-8362-5c28ca496374" xsi:nil="true"/>
-    <TaxCatchAll xmlns="514a554b-82b0-4359-b247-fc84018a95f0" xsi:nil="true"/>
-    <lcf76f155ced4ddcb4097134ff3c332f xmlns="ef624bc2-1644-4d69-8362-5c28ca496374">
-      <Terms xmlns="http://schemas.microsoft.com/office/infopath/2007/PartnerControls"/>
-    </lcf76f155ced4ddcb4097134ff3c332f>
-  </documentManagement>
-</p:properties>
+<file path=customXml/itemProps1.xml><?xml version="1.0" encoding="utf-8"?>
+<ds:datastoreItem xmlns:ds="http://schemas.openxmlformats.org/officeDocument/2006/customXml" ds:itemID="{25DE574B-2CD2-4078-9BEA-2A14717D9698}">
+  <ds:schemaRefs>
+    <ds:schemaRef ds:uri="http://purl.org/dc/terms/"/>
+    <ds:schemaRef ds:uri="http://schemas.microsoft.com/office/infopath/2007/PartnerControls"/>
+    <ds:schemaRef ds:uri="http://schemas.microsoft.com/office/2006/metadata/properties"/>
+    <ds:schemaRef ds:uri="http://www.w3.org/XML/1998/namespace"/>
+    <ds:schemaRef ds:uri="http://schemas.microsoft.com/office/2006/documentManagement/types"/>
+    <ds:schemaRef ds:uri="http://purl.org/dc/elements/1.1/"/>
+    <ds:schemaRef ds:uri="6fcc2ccd-5c68-47b8-8f7d-3c9edbbfd1f2"/>
+    <ds:schemaRef ds:uri="http://schemas.openxmlformats.org/package/2006/metadata/core-properties"/>
+    <ds:schemaRef ds:uri="http://purl.org/dc/dcmitype/"/>
+    <ds:schemaRef ds:uri="ef624bc2-1644-4d69-8362-5c28ca496374"/>
+    <ds:schemaRef ds:uri="514a554b-82b0-4359-b247-fc84018a95f0"/>
+  </ds:schemaRefs>
+</ds:datastoreItem>
 </file>
 
-<file path=customXml/itemProps1.xml><?xml version="1.0" encoding="utf-8"?>
+<file path=customXml/itemProps2.xml><?xml version="1.0" encoding="utf-8"?>
 <ds:datastoreItem xmlns:ds="http://schemas.openxmlformats.org/officeDocument/2006/customXml" ds:itemID="{115E78FA-E8F9-439D-BA67-131B3AD00AC0}">
   <ds:schemaRefs>
     <ds:schemaRef ds:uri="http://schemas.microsoft.com/office/2006/metadata/contentType"/>
@@ -36895,28 +37237,10 @@
 </ds:datastoreItem>
 </file>
 
-<file path=customXml/itemProps2.xml><?xml version="1.0" encoding="utf-8"?>
+<file path=customXml/itemProps3.xml><?xml version="1.0" encoding="utf-8"?>
 <ds:datastoreItem xmlns:ds="http://schemas.openxmlformats.org/officeDocument/2006/customXml" ds:itemID="{B00FC41E-FBDE-42E2-B58A-20EBD240A376}">
   <ds:schemaRefs>
     <ds:schemaRef ds:uri="http://schemas.microsoft.com/sharepoint/v3/contenttype/forms"/>
   </ds:schemaRefs>
 </ds:datastoreItem>
-</file>
-
-<file path=customXml/itemProps3.xml><?xml version="1.0" encoding="utf-8"?>
-<ds:datastoreItem xmlns:ds="http://schemas.openxmlformats.org/officeDocument/2006/customXml" ds:itemID="{25DE574B-2CD2-4078-9BEA-2A14717D9698}">
-  <ds:schemaRefs>
-    <ds:schemaRef ds:uri="http://purl.org/dc/terms/"/>
-    <ds:schemaRef ds:uri="http://schemas.microsoft.com/office/infopath/2007/PartnerControls"/>
-    <ds:schemaRef ds:uri="http://schemas.microsoft.com/office/2006/metadata/properties"/>
-    <ds:schemaRef ds:uri="http://www.w3.org/XML/1998/namespace"/>
-    <ds:schemaRef ds:uri="http://schemas.microsoft.com/office/2006/documentManagement/types"/>
-    <ds:schemaRef ds:uri="http://purl.org/dc/elements/1.1/"/>
-    <ds:schemaRef ds:uri="6fcc2ccd-5c68-47b8-8f7d-3c9edbbfd1f2"/>
-    <ds:schemaRef ds:uri="http://schemas.openxmlformats.org/package/2006/metadata/core-properties"/>
-    <ds:schemaRef ds:uri="http://purl.org/dc/dcmitype/"/>
-    <ds:schemaRef ds:uri="ef624bc2-1644-4d69-8362-5c28ca496374"/>
-    <ds:schemaRef ds:uri="514a554b-82b0-4359-b247-fc84018a95f0"/>
-  </ds:schemaRefs>
-</ds:datastoreItem>
 </file>
--- a/Templates/goldman sachs International.pptx
+++ b/Templates/goldman sachs International.pptx
@@ -880,7 +880,7 @@
           <a:p>
             <a:fld id="{515CCE07-1711-4DC7-A7D8-7ED312C82FB8}" type="datetimeFigureOut">
               <a:rPr lang="fr-FR" smtClean="0"/>
-              <a:t>29/06/2022</a:t>
+              <a:t>11/07/2022</a:t>
             </a:fld>
             <a:endParaRPr lang="fr-FR"/>
           </a:p>
@@ -1045,7 +1045,7 @@
           <a:p>
             <a:fld id="{014ABEAC-8B63-4BD1-9569-A14EB8752A94}" type="datetimeFigureOut">
               <a:rPr lang="fr-FR" smtClean="0"/>
-              <a:t>29/06/2022</a:t>
+              <a:t>11/07/2022</a:t>
             </a:fld>
             <a:endParaRPr lang="fr-FR"/>
           </a:p>
@@ -2467,34 +2467,27 @@
                 </a:solidFill>
                 <a:latin typeface="Futura PT" panose="020B0902020204020203" pitchFamily="34" charset="0"/>
               </a:rPr>
-              <a:t>Durée d’investissement conseillée :</a:t>
-            </a:r>
-            <a:r>
-              <a:rPr lang="fr-FR" sz="800" cap="none" dirty="0">
+              <a:t>Durée d’investissement conseillée </a:t>
+            </a:r>
+            <a:r>
+              <a:rPr lang="fr-FR" sz="800" b="1">
+                <a:solidFill>
+                  <a:srgbClr val="B9A049"/>
+                </a:solidFill>
+                <a:latin typeface="Futura PT" panose="020B0902020204020203" pitchFamily="34" charset="0"/>
+              </a:rPr>
+              <a:t>:</a:t>
+            </a:r>
+            <a:r>
+              <a:rPr lang="fr-FR" sz="800" cap="none">
                 <a:solidFill>
                   <a:schemeClr val="tx2"/>
                 </a:solidFill>
               </a:rPr>
-              <a:t> &lt;</a:t>
-            </a:r>
-            <a:r>
-              <a:rPr lang="fr-FR" sz="800" cap="none" dirty="0" err="1">
-                <a:solidFill>
-                  <a:schemeClr val="tx2"/>
-                </a:solidFill>
-              </a:rPr>
-              <a:t>dic</a:t>
-            </a:r>
-            <a:r>
-              <a:rPr lang="fr-FR" sz="800" cap="none" dirty="0">
-                <a:solidFill>
-                  <a:schemeClr val="tx2"/>
-                </a:solidFill>
-              </a:rPr>
-              <a:t>&gt;</a:t>
-            </a:r>
-            <a:r>
-              <a:rPr lang="fr-FR" sz="800" b="1" cap="none" dirty="0">
+              <a:t> &lt;DIC&gt;</a:t>
+            </a:r>
+            <a:r>
+              <a:rPr lang="fr-FR" sz="800" b="1" cap="none">
                 <a:solidFill>
                   <a:srgbClr val="B9A049"/>
                 </a:solidFill>
@@ -36931,18 +36924,6 @@
 </file>
 
 <file path=customXml/item1.xml><?xml version="1.0" encoding="utf-8"?>
-<p:properties xmlns:p="http://schemas.microsoft.com/office/2006/metadata/properties" xmlns:xsi="http://www.w3.org/2001/XMLSchema-instance" xmlns:pc="http://schemas.microsoft.com/office/infopath/2007/PartnerControls">
-  <documentManagement>
-    <_Flow_SignoffStatus xmlns="ef624bc2-1644-4d69-8362-5c28ca496374" xsi:nil="true"/>
-    <TaxCatchAll xmlns="514a554b-82b0-4359-b247-fc84018a95f0" xsi:nil="true"/>
-    <lcf76f155ced4ddcb4097134ff3c332f xmlns="ef624bc2-1644-4d69-8362-5c28ca496374">
-      <Terms xmlns="http://schemas.microsoft.com/office/infopath/2007/PartnerControls"/>
-    </lcf76f155ced4ddcb4097134ff3c332f>
-  </documentManagement>
-</p:properties>
-</file>
-
-<file path=customXml/item2.xml><?xml version="1.0" encoding="utf-8"?>
 <ct:contentTypeSchema xmlns:ct="http://schemas.microsoft.com/office/2006/metadata/contentType" xmlns:ma="http://schemas.microsoft.com/office/2006/metadata/properties/metaAttributes" ct:_="" ma:_="" ma:contentTypeName="Document" ma:contentTypeID="0x0101005DDE610BC516E448BB8152259F39635A" ma:contentTypeVersion="17" ma:contentTypeDescription="Crée un document." ma:contentTypeScope="" ma:versionID="bfb75e103009df80b8e5001438c41194">
   <xsd:schema xmlns:xsd="http://www.w3.org/2001/XMLSchema" xmlns:xs="http://www.w3.org/2001/XMLSchema" xmlns:p="http://schemas.microsoft.com/office/2006/metadata/properties" xmlns:ns2="ef624bc2-1644-4d69-8362-5c28ca496374" xmlns:ns3="514a554b-82b0-4359-b247-fc84018a95f0" targetNamespace="http://schemas.microsoft.com/office/2006/metadata/properties" ma:root="true" ma:fieldsID="2ae3df86d13efbb4a35042af2564d386" ns2:_="" ns3:_="">
     <xsd:import namespace="ef624bc2-1644-4d69-8362-5c28ca496374"/>
@@ -37191,6 +37172,18 @@
 </ct:contentTypeSchema>
 </file>
 
+<file path=customXml/item2.xml><?xml version="1.0" encoding="utf-8"?>
+<p:properties xmlns:p="http://schemas.microsoft.com/office/2006/metadata/properties" xmlns:xsi="http://www.w3.org/2001/XMLSchema-instance" xmlns:pc="http://schemas.microsoft.com/office/infopath/2007/PartnerControls">
+  <documentManagement>
+    <_Flow_SignoffStatus xmlns="ef624bc2-1644-4d69-8362-5c28ca496374" xsi:nil="true"/>
+    <TaxCatchAll xmlns="514a554b-82b0-4359-b247-fc84018a95f0" xsi:nil="true"/>
+    <lcf76f155ced4ddcb4097134ff3c332f xmlns="ef624bc2-1644-4d69-8362-5c28ca496374">
+      <Terms xmlns="http://schemas.microsoft.com/office/infopath/2007/PartnerControls"/>
+    </lcf76f155ced4ddcb4097134ff3c332f>
+  </documentManagement>
+</p:properties>
+</file>
+
 <file path=customXml/item3.xml><?xml version="1.0" encoding="utf-8"?>
 <?mso-contentType ?>
 <FormTemplates xmlns="http://schemas.microsoft.com/sharepoint/v3/contenttype/forms">
@@ -37201,24 +37194,6 @@
 </file>
 
 <file path=customXml/itemProps1.xml><?xml version="1.0" encoding="utf-8"?>
-<ds:datastoreItem xmlns:ds="http://schemas.openxmlformats.org/officeDocument/2006/customXml" ds:itemID="{25DE574B-2CD2-4078-9BEA-2A14717D9698}">
-  <ds:schemaRefs>
-    <ds:schemaRef ds:uri="http://purl.org/dc/terms/"/>
-    <ds:schemaRef ds:uri="http://schemas.microsoft.com/office/infopath/2007/PartnerControls"/>
-    <ds:schemaRef ds:uri="http://schemas.microsoft.com/office/2006/metadata/properties"/>
-    <ds:schemaRef ds:uri="http://www.w3.org/XML/1998/namespace"/>
-    <ds:schemaRef ds:uri="http://schemas.microsoft.com/office/2006/documentManagement/types"/>
-    <ds:schemaRef ds:uri="http://purl.org/dc/elements/1.1/"/>
-    <ds:schemaRef ds:uri="6fcc2ccd-5c68-47b8-8f7d-3c9edbbfd1f2"/>
-    <ds:schemaRef ds:uri="http://schemas.openxmlformats.org/package/2006/metadata/core-properties"/>
-    <ds:schemaRef ds:uri="http://purl.org/dc/dcmitype/"/>
-    <ds:schemaRef ds:uri="ef624bc2-1644-4d69-8362-5c28ca496374"/>
-    <ds:schemaRef ds:uri="514a554b-82b0-4359-b247-fc84018a95f0"/>
-  </ds:schemaRefs>
-</ds:datastoreItem>
-</file>
-
-<file path=customXml/itemProps2.xml><?xml version="1.0" encoding="utf-8"?>
 <ds:datastoreItem xmlns:ds="http://schemas.openxmlformats.org/officeDocument/2006/customXml" ds:itemID="{115E78FA-E8F9-439D-BA67-131B3AD00AC0}">
   <ds:schemaRefs>
     <ds:schemaRef ds:uri="http://schemas.microsoft.com/office/2006/metadata/contentType"/>
@@ -37237,6 +37212,24 @@
 </ds:datastoreItem>
 </file>
 
+<file path=customXml/itemProps2.xml><?xml version="1.0" encoding="utf-8"?>
+<ds:datastoreItem xmlns:ds="http://schemas.openxmlformats.org/officeDocument/2006/customXml" ds:itemID="{25DE574B-2CD2-4078-9BEA-2A14717D9698}">
+  <ds:schemaRefs>
+    <ds:schemaRef ds:uri="http://purl.org/dc/terms/"/>
+    <ds:schemaRef ds:uri="http://schemas.microsoft.com/office/infopath/2007/PartnerControls"/>
+    <ds:schemaRef ds:uri="http://schemas.microsoft.com/office/2006/metadata/properties"/>
+    <ds:schemaRef ds:uri="http://www.w3.org/XML/1998/namespace"/>
+    <ds:schemaRef ds:uri="http://schemas.microsoft.com/office/2006/documentManagement/types"/>
+    <ds:schemaRef ds:uri="http://purl.org/dc/elements/1.1/"/>
+    <ds:schemaRef ds:uri="6fcc2ccd-5c68-47b8-8f7d-3c9edbbfd1f2"/>
+    <ds:schemaRef ds:uri="http://schemas.openxmlformats.org/package/2006/metadata/core-properties"/>
+    <ds:schemaRef ds:uri="http://purl.org/dc/dcmitype/"/>
+    <ds:schemaRef ds:uri="ef624bc2-1644-4d69-8362-5c28ca496374"/>
+    <ds:schemaRef ds:uri="514a554b-82b0-4359-b247-fc84018a95f0"/>
+  </ds:schemaRefs>
+</ds:datastoreItem>
+</file>
+
 <file path=customXml/itemProps3.xml><?xml version="1.0" encoding="utf-8"?>
 <ds:datastoreItem xmlns:ds="http://schemas.openxmlformats.org/officeDocument/2006/customXml" ds:itemID="{B00FC41E-FBDE-42E2-B58A-20EBD240A376}">
   <ds:schemaRefs>

--- a/Templates/goldman sachs International.pptx
+++ b/Templates/goldman sachs International.pptx
@@ -880,7 +880,7 @@
           <a:p>
             <a:fld id="{515CCE07-1711-4DC7-A7D8-7ED312C82FB8}" type="datetimeFigureOut">
               <a:rPr lang="fr-FR" smtClean="0"/>
-              <a:t>11/07/2022</a:t>
+              <a:t>15/07/2022</a:t>
             </a:fld>
             <a:endParaRPr lang="fr-FR"/>
           </a:p>
@@ -1045,7 +1045,7 @@
           <a:p>
             <a:fld id="{014ABEAC-8B63-4BD1-9569-A14EB8752A94}" type="datetimeFigureOut">
               <a:rPr lang="fr-FR" smtClean="0"/>
-              <a:t>11/07/2022</a:t>
+              <a:t>15/07/2022</a:t>
             </a:fld>
             <a:endParaRPr lang="fr-FR"/>
           </a:p>
@@ -2467,33 +2467,40 @@
                 </a:solidFill>
                 <a:latin typeface="Futura PT" panose="020B0902020204020203" pitchFamily="34" charset="0"/>
               </a:rPr>
-              <a:t>Durée d’investissement conseillée </a:t>
-            </a:r>
-            <a:r>
-              <a:rPr lang="fr-FR" sz="800" b="1">
+              <a:t>Durée d’investissement conseillée :</a:t>
+            </a:r>
+            <a:r>
+              <a:rPr lang="fr-FR" sz="800" cap="none" dirty="0">
+                <a:solidFill>
+                  <a:schemeClr val="tx2"/>
+                </a:solidFill>
+              </a:rPr>
+              <a:t> &lt;DIC&gt;</a:t>
+            </a:r>
+            <a:r>
+              <a:rPr lang="fr-FR" sz="800" b="1" cap="none" dirty="0">
                 <a:solidFill>
                   <a:srgbClr val="B9A049"/>
                 </a:solidFill>
                 <a:latin typeface="Futura PT" panose="020B0902020204020203" pitchFamily="34" charset="0"/>
               </a:rPr>
-              <a:t>:</a:t>
-            </a:r>
-            <a:r>
-              <a:rPr lang="fr-FR" sz="800" cap="none">
+              <a:t> </a:t>
+            </a:r>
+            <a:r>
+              <a:rPr lang="fr-FR" sz="800" cap="none" dirty="0">
                 <a:solidFill>
                   <a:schemeClr val="tx2"/>
                 </a:solidFill>
               </a:rPr>
-              <a:t> &lt;DIC&gt;</a:t>
-            </a:r>
-            <a:r>
-              <a:rPr lang="fr-FR" sz="800" b="1" cap="none">
-                <a:solidFill>
-                  <a:srgbClr val="B9A049"/>
-                </a:solidFill>
-                <a:latin typeface="Futura PT" panose="020B0902020204020203" pitchFamily="34" charset="0"/>
-              </a:rPr>
-              <a:t> </a:t>
+              <a:t>(hors remboursement anticipé automatique)</a:t>
+            </a:r>
+            <a:r>
+              <a:rPr lang="fr-FR" sz="800" cap="none" baseline="30000" dirty="0">
+                <a:solidFill>
+                  <a:schemeClr val="tx2"/>
+                </a:solidFill>
+              </a:rPr>
+              <a:t>(2)</a:t>
             </a:r>
             <a:r>
               <a:rPr lang="fr-FR" sz="800" cap="none" dirty="0">
@@ -2501,7 +2508,7 @@
                   <a:schemeClr val="tx2"/>
                 </a:solidFill>
               </a:rPr>
-              <a:t>(hors remboursement anticipé automatique). </a:t>
+              <a:t>. </a:t>
             </a:r>
             <a:r>
               <a:rPr lang="fr-FR" sz="800" i="1" cap="none" dirty="0">
@@ -2958,110 +2965,59 @@
           <a:p>
             <a:pPr algn="just" defTabSz="914400"/>
             <a:r>
-              <a:rPr lang="fr-FR" sz="650" baseline="30000" dirty="0">
+              <a:rPr lang="fr-FR" sz="650" dirty="0">
                 <a:solidFill>
                   <a:schemeClr val="tx2"/>
                 </a:solidFill>
-                <a:latin typeface="Proxima Nova Rg" panose="02000506030000020004" pitchFamily="2" charset="0"/>
-              </a:rPr>
-              <a:t>(1) </a:t>
-            </a:r>
-            <a:r>
-              <a:rPr lang="fr-FR" sz="650" dirty="0">
-                <a:solidFill>
-                  <a:schemeClr val="tx2"/>
-                </a:solidFill>
-                <a:latin typeface="Proxima Nova Rg" panose="02000506030000020004" pitchFamily="2" charset="0"/>
-              </a:rPr>
-              <a:t>L’investisseur prend un risque de perte en capital non mesurable a priori si le titre de créance est revendu avant la date d’échéance ou de remboursement automatique anticipé effective. L’investisseur supporte le risque de défaut de paiement, de faillite ainsi que de mise en résolution de l'Émetteur et/ou du Garant. Les risques associés à ce titre de créance sont détaillés dans cette brochure. </a:t>
+              </a:rPr>
+              <a:t>(1) L’investisseur prend un risque de perte en capital non mesurable a priori si le titre de créance est revendu avant la date d’échéance ou de remboursement automatique anticipé effective. L’investisseur supporte le risque de défaut de paiement, de faillite ainsi que de mise en résolution de l'Émetteur et/ou du Garant. Les risques associés à ce titre de créance sont détaillés dans cette brochure. </a:t>
             </a:r>
           </a:p>
           <a:p>
             <a:pPr algn="just" defTabSz="914400"/>
             <a:r>
-              <a:rPr lang="fr-FR" sz="650" baseline="30000" dirty="0">
+              <a:rPr lang="fr-FR" sz="650" dirty="0">
                 <a:solidFill>
                   <a:schemeClr val="tx2"/>
                 </a:solidFill>
-                <a:latin typeface="Proxima Nova Rg" panose="02000506030000020004" pitchFamily="2" charset="0"/>
-              </a:rPr>
-              <a:t>(2)</a:t>
-            </a:r>
-            <a:r>
-              <a:rPr lang="fr-FR" sz="650" dirty="0">
-                <a:solidFill>
-                  <a:schemeClr val="tx2"/>
-                </a:solidFill>
-                <a:latin typeface="Proxima Nova Rg" panose="02000506030000020004" pitchFamily="2" charset="0"/>
-              </a:rPr>
-              <a:t> Le remboursement automatique anticipé ne pourra pas se faire, en tout état de cause, avant le &lt;</a:t>
-            </a:r>
-            <a:r>
-              <a:rPr lang="fr-FR" sz="700" dirty="0"/>
+              </a:rPr>
+              <a:t>(2) Le remboursement automatique anticipé ne pourra pas se faire, en tout état de cause, avant le &lt;</a:t>
+            </a:r>
+            <a:r>
+              <a:rPr lang="fr-FR" sz="650" dirty="0"/>
               <a:t>2PDC_MAJ&gt;.</a:t>
             </a:r>
             <a:endParaRPr lang="fr-FR" sz="650" dirty="0">
               <a:solidFill>
                 <a:schemeClr val="tx2"/>
               </a:solidFill>
-              <a:latin typeface="Proxima Nova Rg" panose="02000506030000020004" pitchFamily="2" charset="0"/>
             </a:endParaRPr>
           </a:p>
           <a:p>
             <a:pPr algn="just" defTabSz="914400"/>
             <a:r>
-              <a:rPr lang="fr-FR" sz="650" baseline="30000" dirty="0">
+              <a:rPr lang="fr-FR" sz="650" dirty="0">
                 <a:solidFill>
                   <a:schemeClr val="tx2"/>
                 </a:solidFill>
-                <a:latin typeface="Proxima Nova Rg" panose="02000506030000020004" pitchFamily="2" charset="0"/>
-              </a:rPr>
-              <a:t>(3)</a:t>
+              </a:rPr>
+              <a:t>(3) Goldman Sachs International : Standard &amp; </a:t>
+            </a:r>
+            <a:r>
+              <a:rPr lang="fr-FR" sz="650" dirty="0" err="1">
+                <a:solidFill>
+                  <a:schemeClr val="tx2"/>
+                </a:solidFill>
+              </a:rPr>
+              <a:t>Poor’s</a:t>
             </a:r>
             <a:r>
               <a:rPr lang="fr-FR" sz="650" dirty="0">
                 <a:solidFill>
                   <a:schemeClr val="tx2"/>
                 </a:solidFill>
-                <a:latin typeface="Proxima Nova Rg" panose="02000506030000020004" pitchFamily="2" charset="0"/>
-              </a:rPr>
-              <a:t> Goldman Sachs International : Standard &amp; </a:t>
-            </a:r>
-            <a:r>
-              <a:rPr lang="fr-FR" sz="650" dirty="0" err="1">
-                <a:solidFill>
-                  <a:schemeClr val="tx2"/>
-                </a:solidFill>
-                <a:latin typeface="Proxima Nova Rg" panose="02000506030000020004" pitchFamily="2" charset="0"/>
-              </a:rPr>
-              <a:t>Poor’s</a:t>
-            </a:r>
-            <a:r>
-              <a:rPr lang="fr-FR" sz="650" dirty="0">
-                <a:solidFill>
-                  <a:schemeClr val="tx2"/>
-                </a:solidFill>
-                <a:latin typeface="Proxima Nova Rg" panose="02000506030000020004" pitchFamily="2" charset="0"/>
-              </a:rPr>
-              <a:t> : A+, Moody’s : A1, Fitch : A+ : notations en vigueur au moment de la rédaction de cette brochure le &lt;DDR_MAJ&gt;. Ces notations peuvent être </a:t>
-            </a:r>
-            <a:r>
-              <a:rPr lang="fr-FR" sz="650" dirty="0" err="1">
-                <a:solidFill>
-                  <a:schemeClr val="tx2"/>
-                </a:solidFill>
-                <a:latin typeface="Proxima Nova Rg" panose="02000506030000020004" pitchFamily="2" charset="0"/>
-              </a:rPr>
-              <a:t>revisées</a:t>
-            </a:r>
-            <a:r>
-              <a:rPr lang="fr-FR" sz="650" dirty="0">
-                <a:solidFill>
-                  <a:schemeClr val="tx2"/>
-                </a:solidFill>
-                <a:latin typeface="Proxima Nova Rg" panose="02000506030000020004" pitchFamily="2" charset="0"/>
-              </a:rPr>
-              <a:t> à tout moment et ne sont pas une garantie de la solvabilité de l’Emetteur. Elles ne sauraient constituer un argument de souscription au titre de créance.</a:t>
+              </a:rPr>
+              <a:t> : A+, Moody’s : A1, Fitch : A+ : notations en vigueur au moment de la rédaction de cette brochure le &lt;DDR_MAJ&gt;. Ces notations peuvent être révisées à tout moment et ne sont pas une garantie de la solvabilité de l’Emetteur. Elles ne sauraient constituer un argument de souscription au titre de créance.</a:t>
             </a:r>
           </a:p>
         </p:txBody>
@@ -3514,64 +3470,37 @@
           <a:p>
             <a:pPr marL="0" lvl="1" algn="just"/>
             <a:r>
-              <a:rPr lang="fr-FR" sz="650" baseline="30000" dirty="0">
+              <a:rPr lang="fr-FR" sz="650" dirty="0">
                 <a:solidFill>
                   <a:schemeClr val="tx2"/>
                 </a:solidFill>
                 <a:latin typeface="+mn-lt"/>
               </a:rPr>
-              <a:t>(1)</a:t>
-            </a:r>
-            <a:r>
-              <a:rPr lang="fr-FR" sz="650" dirty="0">
-                <a:solidFill>
-                  <a:schemeClr val="tx2"/>
-                </a:solidFill>
-                <a:latin typeface="+mn-lt"/>
-              </a:rPr>
-              <a:t> Veuillez vous référer au tableau récapitulant les principales caractéristiques financières en &lt;PAGE&gt; pour le détail des dates.</a:t>
+              <a:t>(1) Veuillez vous référer au tableau récapitulant les principales caractéristiques financières en &lt;PAGE&gt; pour le détail des dates.</a:t>
             </a:r>
           </a:p>
           <a:p>
             <a:pPr marL="0" lvl="1" algn="just"/>
             <a:r>
-              <a:rPr lang="fr-FR" sz="650" baseline="30000" dirty="0">
+              <a:rPr lang="fr-FR" sz="650" dirty="0">
                 <a:solidFill>
                   <a:schemeClr val="tx2"/>
                 </a:solidFill>
                 <a:latin typeface="+mn-lt"/>
               </a:rPr>
-              <a:t>(2)</a:t>
-            </a:r>
-            <a:r>
-              <a:rPr lang="fr-FR" sz="650" dirty="0">
-                <a:solidFill>
-                  <a:schemeClr val="tx2"/>
-                </a:solidFill>
-                <a:latin typeface="+mn-lt"/>
-              </a:rPr>
-              <a:t> Hors frais, dividendes réinvestis dans &lt;TDP&gt; </a:t>
+              <a:t>(2) Hors frais, dividendes réinvestis dans &lt;TDP&gt; </a:t>
             </a:r>
           </a:p>
           <a:p>
             <a:pPr marL="0" lvl="1" algn="just"/>
             <a:r>
-              <a:rPr lang="fr-FR" sz="650" baseline="30000" dirty="0">
+              <a:rPr lang="fr-FR" sz="650" dirty="0">
                 <a:solidFill>
                   <a:schemeClr val="tx2"/>
                 </a:solidFill>
                 <a:latin typeface="+mn-lt"/>
               </a:rPr>
-              <a:t>(2)</a:t>
-            </a:r>
-            <a:r>
-              <a:rPr lang="fr-FR" sz="650" dirty="0">
-                <a:solidFill>
-                  <a:schemeClr val="tx2"/>
-                </a:solidFill>
-                <a:latin typeface="+mn-lt"/>
-              </a:rPr>
-              <a:t> En prenant comme hypothèse 1,00% de frais de gestion du contrat d’assurance vie ou de capitalisation. TRA nets hors autres frais, fiscalité et prélèvements sociaux applicables au cadre d’investissement, et hors défaut de paiement et/ou faillite de l’Émetteur et du Garant de la formule et hors mise en résolution du Garant de la formule. Les TRA sont calculés à partir du &lt;2PDC&gt; jusqu’à la date de remboursement anticipé automatique éventuel</a:t>
+              <a:t>(3) En prenant comme hypothèse 1,00% de frais de gestion du contrat d’assurance vie ou de capitalisation. TRA nets hors autres frais, fiscalité et prélèvements sociaux applicables au cadre d’investissement, et hors défaut de paiement et/ou faillite de l’Émetteur et du Garant de la formule et hors mise en résolution du Garant de la formule. Les TRA sont calculés à partir du &lt;2PDC&gt; jusqu’à la date de remboursement anticipé automatique éventuel</a:t>
             </a:r>
             <a:r>
               <a:rPr lang="fr-FR" sz="650" baseline="30000" dirty="0">
@@ -4062,9 +3991,6 @@
                 <a:solidFill>
                   <a:srgbClr val="000000"/>
                 </a:solidFill>
-                <a:highlight>
-                  <a:srgbClr val="00FFFF"/>
-                </a:highlight>
               </a:rPr>
               <a:t>&lt;TRA.D.P&gt;</a:t>
             </a:r>
@@ -4081,9 +4007,6 @@
                 <a:solidFill>
                   <a:srgbClr val="000000"/>
                 </a:solidFill>
-                <a:highlight>
-                  <a:srgbClr val="00FFFF"/>
-                </a:highlight>
               </a:rPr>
               <a:t>&lt;TRA.D.A&gt;</a:t>
             </a:r>
@@ -4228,9 +4151,6 @@
                 <a:solidFill>
                   <a:srgbClr val="000000"/>
                 </a:solidFill>
-                <a:highlight>
-                  <a:srgbClr val="00FFFF"/>
-                </a:highlight>
                 <a:latin typeface="+mn-lt"/>
               </a:rPr>
               <a:t>&lt;TRA.RM.P&gt;</a:t>
@@ -4264,9 +4184,6 @@
                 <a:solidFill>
                   <a:srgbClr val="000000"/>
                 </a:solidFill>
-                <a:highlight>
-                  <a:srgbClr val="00FFFF"/>
-                </a:highlight>
                 <a:latin typeface="+mn-lt"/>
               </a:rPr>
               <a:t>&lt;TRA.M.SJ&gt;</a:t>
@@ -4353,7 +4270,7 @@
               <a:rPr lang="fr-FR" b="1" dirty="0">
                 <a:latin typeface="+mn-lt"/>
               </a:rPr>
-              <a:t> de « &lt;NOM&gt; ».</a:t>
+              <a:t> de « &lt;NOM&gt; ». </a:t>
             </a:r>
           </a:p>
         </p:txBody>
@@ -4450,7 +4367,7 @@
                   <a:schemeClr val="tx2"/>
                 </a:solidFill>
               </a:rPr>
-              <a:t>, &lt;SJR1&gt; clôture à un &lt;SJR3&gt; supérieur à &lt;ABAC&gt; (&lt;NSF&gt; dans cet exemple). Le produit est alors automatiquement remboursé par anticipation. L’investisseur récupère l’intégralité du capital initial majoré d’un coupon de &lt;CPN&gt; au titre du trimestre.</a:t>
+              <a:t>, &lt;SJR1&gt; clôture à un &lt;SJR3&gt; supérieur à &lt;ABAC&gt; (&lt;NSF&gt; dans cet exemple). Le produit est alors automatiquement remboursé par anticipation. L’investisseur récupère l’intégralité du capital initial majoré d’un coupon de &lt;CPN&gt; au titre du &lt;F0&gt;.</a:t>
             </a:r>
           </a:p>
           <a:p>
@@ -4465,72 +4382,35 @@
                   <a:srgbClr val="04202E"/>
                 </a:solidFill>
               </a:rPr>
-              <a:t>Ce qui correspond à un Taux de Rendement Annuel net de </a:t>
+              <a:t>Ce qui correspond à un Taux de Rendement Annuel net de &lt;TRA.F.P&gt;</a:t>
+            </a:r>
+            <a:r>
+              <a:rPr lang="fr-FR" sz="700" baseline="30000" dirty="0">
+                <a:solidFill>
+                  <a:srgbClr val="04202E"/>
+                </a:solidFill>
+              </a:rPr>
+              <a:t>(2)</a:t>
             </a:r>
             <a:r>
               <a:rPr lang="fr-FR" sz="700" dirty="0">
                 <a:solidFill>
                   <a:srgbClr val="04202E"/>
                 </a:solidFill>
-                <a:highlight>
-                  <a:srgbClr val="00FFFF"/>
-                </a:highlight>
-              </a:rPr>
-              <a:t>&lt;TRA.F.P&gt;</a:t>
+              </a:rPr>
+              <a:t>, contre un Taux de Rendement Annuel net de </a:t>
+            </a:r>
+            <a:r>
+              <a:rPr lang="fr-FR" sz="700" dirty="0"/>
+              <a:t>&lt;TRA.F.SJ&gt;</a:t>
             </a:r>
             <a:r>
               <a:rPr lang="fr-FR" sz="700" baseline="30000" dirty="0">
                 <a:solidFill>
                   <a:srgbClr val="04202E"/>
                 </a:solidFill>
-                <a:highlight>
-                  <a:srgbClr val="00FFFF"/>
-                </a:highlight>
-              </a:rPr>
-              <a:t>(</a:t>
-            </a:r>
-            <a:r>
-              <a:rPr lang="fr-FR" sz="700" baseline="30000" dirty="0">
-                <a:solidFill>
-                  <a:srgbClr val="04202E"/>
-                </a:solidFill>
-              </a:rPr>
-              <a:t>2)</a:t>
-            </a:r>
-            <a:r>
-              <a:rPr lang="fr-FR" sz="700" dirty="0">
-                <a:solidFill>
-                  <a:srgbClr val="04202E"/>
-                </a:solidFill>
-              </a:rPr>
-              <a:t>, contre un Taux de Rendement Annuel net de </a:t>
-            </a:r>
-            <a:r>
-              <a:rPr lang="fr-FR" sz="700" dirty="0">
-                <a:highlight>
-                  <a:srgbClr val="00FFFF"/>
-                </a:highlight>
-              </a:rPr>
-              <a:t>&lt;TRA.F.SJ&gt;</a:t>
-            </a:r>
-            <a:r>
-              <a:rPr lang="fr-FR" sz="700" baseline="30000" dirty="0">
-                <a:solidFill>
-                  <a:srgbClr val="04202E"/>
-                </a:solidFill>
-                <a:highlight>
-                  <a:srgbClr val="00FFFF"/>
-                </a:highlight>
-              </a:rPr>
-              <a:t>(</a:t>
-            </a:r>
-            <a:r>
-              <a:rPr lang="fr-FR" sz="700" baseline="30000" dirty="0">
-                <a:solidFill>
-                  <a:srgbClr val="04202E"/>
-                </a:solidFill>
-              </a:rPr>
-              <a:t>2)</a:t>
+              </a:rPr>
+              <a:t>(2)</a:t>
             </a:r>
             <a:r>
               <a:rPr lang="fr-FR" sz="700" dirty="0">
@@ -6805,8 +6685,8 @@
         </p:nvSpPr>
         <p:spPr>
           <a:xfrm>
-            <a:off x="5417820" y="9174546"/>
-            <a:ext cx="1913222" cy="215444"/>
+            <a:off x="3571875" y="9181392"/>
+            <a:ext cx="3759167" cy="215444"/>
           </a:xfrm>
           <a:prstGeom prst="rect">
             <a:avLst/>
@@ -6819,38 +6699,24 @@
           </a:bodyPr>
           <a:lstStyle/>
           <a:p>
-            <a:r>
-              <a:rPr lang="fr-FR" sz="800" u="sng">
-                <a:highlight>
-                  <a:srgbClr val="FF00FF"/>
-                </a:highlight>
-              </a:rPr>
+            <a:pPr algn="r"/>
+            <a:r>
+              <a:rPr lang="fr-FR" sz="800" u="sng" dirty="0"/>
               <a:t>Source :</a:t>
             </a:r>
             <a:r>
-              <a:rPr lang="fr-FR" sz="800">
-                <a:highlight>
-                  <a:srgbClr val="FF00FF"/>
-                </a:highlight>
-              </a:rPr>
+              <a:rPr lang="fr-FR" sz="800" dirty="0"/>
               <a:t> Bloomberg, le </a:t>
             </a:r>
             <a:r>
-              <a:rPr lang="fr-FR" sz="800">
+              <a:rPr lang="fr-FR" sz="800" dirty="0">
                 <a:solidFill>
                   <a:schemeClr val="tx2"/>
                 </a:solidFill>
-                <a:highlight>
-                  <a:srgbClr val="FF00FF"/>
-                </a:highlight>
               </a:rPr>
               <a:t>&lt;DDR1_MAJ&gt;</a:t>
             </a:r>
-            <a:endParaRPr lang="fr-FR" sz="800">
-              <a:highlight>
-                <a:srgbClr val="FF00FF"/>
-              </a:highlight>
-            </a:endParaRPr>
+            <a:endParaRPr lang="fr-FR" sz="800" dirty="0"/>
           </a:p>
         </p:txBody>
       </p:sp>
@@ -6868,8 +6734,8 @@
         </p:nvSpPr>
         <p:spPr>
           <a:xfrm>
-            <a:off x="5417820" y="7967599"/>
-            <a:ext cx="1913222" cy="215444"/>
+            <a:off x="4643796" y="8029739"/>
+            <a:ext cx="2687246" cy="215444"/>
           </a:xfrm>
           <a:prstGeom prst="rect">
             <a:avLst/>
@@ -6882,38 +6748,24 @@
           </a:bodyPr>
           <a:lstStyle/>
           <a:p>
-            <a:r>
-              <a:rPr lang="fr-FR" sz="800" u="sng">
-                <a:highlight>
-                  <a:srgbClr val="FF00FF"/>
-                </a:highlight>
-              </a:rPr>
+            <a:pPr algn="r"/>
+            <a:r>
+              <a:rPr lang="fr-FR" sz="800" u="sng" dirty="0"/>
               <a:t>Source :</a:t>
             </a:r>
             <a:r>
-              <a:rPr lang="fr-FR" sz="800">
-                <a:highlight>
-                  <a:srgbClr val="FF00FF"/>
-                </a:highlight>
-              </a:rPr>
+              <a:rPr lang="fr-FR" sz="800" dirty="0"/>
               <a:t> Bloomberg, le </a:t>
             </a:r>
             <a:r>
-              <a:rPr lang="fr-FR" sz="800">
+              <a:rPr lang="fr-FR" sz="800" dirty="0">
                 <a:solidFill>
                   <a:schemeClr val="tx2"/>
                 </a:solidFill>
-                <a:highlight>
-                  <a:srgbClr val="FF00FF"/>
-                </a:highlight>
               </a:rPr>
               <a:t>&lt;DDR1_MAJ&gt;</a:t>
             </a:r>
-            <a:endParaRPr lang="fr-FR" sz="800">
-              <a:highlight>
-                <a:srgbClr val="FF00FF"/>
-              </a:highlight>
-            </a:endParaRPr>
+            <a:endParaRPr lang="fr-FR" sz="800" dirty="0"/>
           </a:p>
         </p:txBody>
       </p:sp>
@@ -7060,13 +6912,13 @@
           <p:nvPr>
             <p:extLst>
               <p:ext uri="{D42A27DB-BD31-4B8C-83A1-F6EECF244321}">
-                <p14:modId xmlns:p14="http://schemas.microsoft.com/office/powerpoint/2010/main" val="308720706"/>
+                <p14:modId xmlns:p14="http://schemas.microsoft.com/office/powerpoint/2010/main" val="2290197181"/>
               </p:ext>
             </p:extLst>
           </p:nvPr>
         </p:nvGraphicFramePr>
         <p:xfrm>
-          <a:off x="359837" y="785555"/>
+          <a:off x="359837" y="1027408"/>
           <a:ext cx="6837886" cy="8485411"/>
         </p:xfrm>
         <a:graphic>
@@ -9864,9 +9716,6 @@
                           <a:solidFill>
                             <a:srgbClr val="B9A049"/>
                           </a:solidFill>
-                          <a:highlight>
-                            <a:srgbClr val="FFFF00"/>
-                          </a:highlight>
                           <a:latin typeface="+mn-lt"/>
                           <a:ea typeface="+mn-ea"/>
                           <a:cs typeface="+mn-cs"/>
@@ -10510,14 +10359,33 @@
                           <a:solidFill>
                             <a:schemeClr val="tx1"/>
                           </a:solidFill>
-                          <a:highlight>
-                            <a:srgbClr val="00FFFF"/>
-                          </a:highlight>
                           <a:latin typeface="+mn-lt"/>
                           <a:ea typeface="+mn-ea"/>
                           <a:cs typeface="+mn-cs"/>
                         </a:rPr>
-                        <a:t>&lt;Datesconstatations1&gt;</a:t>
+                        <a:t>&lt;</a:t>
+                      </a:r>
+                      <a:r>
+                        <a:rPr lang="fr-FR" sz="700" b="0" i="0" kern="1200" dirty="0" err="1">
+                          <a:solidFill>
+                            <a:schemeClr val="tx1"/>
+                          </a:solidFill>
+                          <a:latin typeface="+mn-lt"/>
+                          <a:ea typeface="+mn-ea"/>
+                          <a:cs typeface="+mn-cs"/>
+                        </a:rPr>
+                        <a:t>dates_constat_autocall</a:t>
+                      </a:r>
+                      <a:r>
+                        <a:rPr lang="fr-FR" sz="700" b="0" i="0" kern="1200" dirty="0">
+                          <a:solidFill>
+                            <a:schemeClr val="tx1"/>
+                          </a:solidFill>
+                          <a:latin typeface="+mn-lt"/>
+                          <a:ea typeface="+mn-ea"/>
+                          <a:cs typeface="+mn-cs"/>
+                        </a:rPr>
+                        <a:t>&gt;</a:t>
                       </a:r>
                     </a:p>
                   </a:txBody>
@@ -10698,14 +10566,33 @@
                           <a:solidFill>
                             <a:schemeClr val="tx1"/>
                           </a:solidFill>
-                          <a:highlight>
-                            <a:srgbClr val="00FFFF"/>
-                          </a:highlight>
                           <a:latin typeface="+mn-lt"/>
                           <a:ea typeface="+mn-ea"/>
                           <a:cs typeface="+mn-cs"/>
                         </a:rPr>
-                        <a:t>&lt;Datesremb1&gt;</a:t>
+                        <a:t>&lt;</a:t>
+                      </a:r>
+                      <a:r>
+                        <a:rPr lang="fr-FR" sz="700" b="0" i="0" kern="1200" baseline="0" dirty="0" err="1">
+                          <a:solidFill>
+                            <a:schemeClr val="tx1"/>
+                          </a:solidFill>
+                          <a:latin typeface="+mn-lt"/>
+                          <a:ea typeface="+mn-ea"/>
+                          <a:cs typeface="+mn-cs"/>
+                        </a:rPr>
+                        <a:t>dates_paiement_autocall</a:t>
+                      </a:r>
+                      <a:r>
+                        <a:rPr lang="fr-FR" sz="700" b="0" i="0" kern="1200" baseline="0" dirty="0">
+                          <a:solidFill>
+                            <a:schemeClr val="tx1"/>
+                          </a:solidFill>
+                          <a:latin typeface="+mn-lt"/>
+                          <a:ea typeface="+mn-ea"/>
+                          <a:cs typeface="+mn-cs"/>
+                        </a:rPr>
+                        <a:t>&gt;</a:t>
                       </a:r>
                     </a:p>
                   </a:txBody>
@@ -10890,7 +10777,7 @@
                           <a:ea typeface="+mn-ea"/>
                           <a:cs typeface="+mn-cs"/>
                         </a:rPr>
-                        <a:t>&lt;BAC&gt; du &lt;NDR&gt; &lt;SJR7&gt;</a:t>
+                        <a:t>&lt;BRA&gt;</a:t>
                       </a:r>
                     </a:p>
                   </a:txBody>
@@ -11075,7 +10962,7 @@
                           <a:ea typeface="+mn-ea"/>
                           <a:cs typeface="+mn-cs"/>
                         </a:rPr>
-                        <a:t>&lt;SV&gt; du &lt;NDR&gt; &lt;SJR7&gt;</a:t>
+                        <a:t>&lt;BVC&gt;</a:t>
                       </a:r>
                     </a:p>
                   </a:txBody>
@@ -13364,7 +13251,9 @@
                     </a:lnT>
                     <a:lnB w="12700" cap="flat" cmpd="sng" algn="ctr">
                       <a:solidFill>
-                        <a:schemeClr val="tx1"/>
+                        <a:schemeClr val="bg1">
+                          <a:lumMod val="85000"/>
+                        </a:schemeClr>
                       </a:solidFill>
                       <a:prstDash val="solid"/>
                       <a:round/>
@@ -13448,7 +13337,9 @@
                     </a:lnT>
                     <a:lnB w="12700" cap="flat" cmpd="sng" algn="ctr">
                       <a:solidFill>
-                        <a:schemeClr val="tx1"/>
+                        <a:schemeClr val="bg1">
+                          <a:lumMod val="85000"/>
+                        </a:schemeClr>
                       </a:solidFill>
                       <a:prstDash val="solid"/>
                       <a:round/>
@@ -13883,14 +13774,14 @@
           <p:nvPr>
             <p:extLst>
               <p:ext uri="{D42A27DB-BD31-4B8C-83A1-F6EECF244321}">
-                <p14:modId xmlns:p14="http://schemas.microsoft.com/office/powerpoint/2010/main" val="428778589"/>
+                <p14:modId xmlns:p14="http://schemas.microsoft.com/office/powerpoint/2010/main" val="627869434"/>
               </p:ext>
             </p:extLst>
           </p:nvPr>
         </p:nvGraphicFramePr>
         <p:xfrm>
-          <a:off x="348006" y="429639"/>
-          <a:ext cx="6837886" cy="8415943"/>
+          <a:off x="360894" y="853816"/>
+          <a:ext cx="6837886" cy="8319931"/>
         </p:xfrm>
         <a:graphic>
           <a:graphicData uri="http://schemas.openxmlformats.org/drawingml/2006/table">
@@ -14264,7 +14155,7 @@
                           <a:ea typeface="+mn-ea"/>
                           <a:cs typeface="+mn-cs"/>
                         </a:rPr>
-                        <a:t>FORME</a:t>
+                        <a:t>Forme</a:t>
                       </a:r>
                     </a:p>
                   </a:txBody>
@@ -14470,7 +14361,7 @@
                           <a:ea typeface="+mn-ea"/>
                           <a:cs typeface="+mn-cs"/>
                         </a:rPr>
-                        <a:t>ÉMETTEUR</a:t>
+                        <a:t>Émetteur</a:t>
                       </a:r>
                     </a:p>
                   </a:txBody>
@@ -14675,7 +14566,7 @@
                           <a:ea typeface="+mn-ea"/>
                           <a:cs typeface="+mn-cs"/>
                         </a:rPr>
-                        <a:t>DISTRIBUTEUR</a:t>
+                        <a:t>Distributeur</a:t>
                       </a:r>
                     </a:p>
                   </a:txBody>
@@ -14860,7 +14751,7 @@
                           <a:ea typeface="+mn-ea"/>
                           <a:cs typeface="+mn-cs"/>
                         </a:rPr>
-                        <a:t>OFFRE AU PUBLIC </a:t>
+                        <a:t>Offre au public </a:t>
                       </a:r>
                     </a:p>
                   </a:txBody>
@@ -15045,7 +14936,7 @@
                           <a:ea typeface="+mn-ea"/>
                           <a:cs typeface="+mn-cs"/>
                         </a:rPr>
-                        <a:t>SOUS-JACENT</a:t>
+                        <a:t>Sous-jacent</a:t>
                       </a:r>
                     </a:p>
                   </a:txBody>
@@ -15338,7 +15229,7 @@
                           <a:ea typeface="+mn-ea"/>
                           <a:cs typeface="+mn-cs"/>
                         </a:rPr>
-                        <a:t>GARANT</a:t>
+                        <a:t>Garant</a:t>
                       </a:r>
                     </a:p>
                   </a:txBody>
@@ -15529,7 +15420,7 @@
                           <a:ea typeface="+mn-ea"/>
                           <a:cs typeface="+mn-cs"/>
                         </a:rPr>
-                        <a:t>DEVISE</a:t>
+                        <a:t>Devise</a:t>
                       </a:r>
                     </a:p>
                   </a:txBody>
@@ -15713,7 +15604,7 @@
                           <a:ea typeface="+mn-ea"/>
                           <a:cs typeface="+mn-cs"/>
                         </a:rPr>
-                        <a:t>DROIT</a:t>
+                        <a:t>Droit</a:t>
                       </a:r>
                     </a:p>
                   </a:txBody>
@@ -15897,7 +15788,7 @@
                           <a:ea typeface="+mn-ea"/>
                           <a:cs typeface="+mn-cs"/>
                         </a:rPr>
-                        <a:t>MONTANT DE L’ÉMISSION</a:t>
+                        <a:t>Montant de l’émission</a:t>
                       </a:r>
                     </a:p>
                   </a:txBody>
@@ -16073,7 +15964,7 @@
                         <a:defRPr/>
                       </a:pPr>
                       <a:r>
-                        <a:rPr lang="fr-FR" sz="700" b="1" kern="1200">
+                        <a:rPr lang="fr-FR" sz="700" b="1" kern="1200" dirty="0">
                           <a:solidFill>
                             <a:srgbClr val="B9A049"/>
                           </a:solidFill>
@@ -16081,7 +15972,7 @@
                           <a:ea typeface="+mn-ea"/>
                           <a:cs typeface="+mn-cs"/>
                         </a:rPr>
-                        <a:t>VALEUR NOMINALE</a:t>
+                        <a:t>Valeur nominale</a:t>
                       </a:r>
                     </a:p>
                   </a:txBody>
@@ -16265,7 +16156,7 @@
                           <a:ea typeface="+mn-ea"/>
                           <a:cs typeface="+mn-cs"/>
                         </a:rPr>
-                        <a:t>PRIX D’ÉMISSION</a:t>
+                        <a:t>Prix d’émission</a:t>
                       </a:r>
                     </a:p>
                   </a:txBody>
@@ -16449,7 +16340,7 @@
                           <a:ea typeface="+mn-ea"/>
                           <a:cs typeface="+mn-cs"/>
                         </a:rPr>
-                        <a:t>DATE D’ÉMISSION </a:t>
+                        <a:t>Date d’émission </a:t>
                       </a:r>
                     </a:p>
                   </a:txBody>
@@ -16633,7 +16524,7 @@
                           <a:ea typeface="+mn-ea"/>
                           <a:cs typeface="+mn-cs"/>
                         </a:rPr>
-                        <a:t>PÉRIODE DE COMMERCIALISATION</a:t>
+                        <a:t>Période de commercialisation</a:t>
                       </a:r>
                     </a:p>
                   </a:txBody>
@@ -16820,7 +16711,7 @@
                         <a:defRPr/>
                       </a:pPr>
                       <a:r>
-                        <a:rPr lang="fr-FR" sz="700" b="1" kern="1200">
+                        <a:rPr lang="fr-FR" sz="700" b="1" kern="1200" dirty="0">
                           <a:solidFill>
                             <a:srgbClr val="B9A049"/>
                           </a:solidFill>
@@ -16828,7 +16719,7 @@
                           <a:ea typeface="+mn-ea"/>
                           <a:cs typeface="+mn-cs"/>
                         </a:rPr>
-                        <a:t>GARANTIE DU CAPITAL</a:t>
+                        <a:t>Garantie du capital</a:t>
                       </a:r>
                     </a:p>
                   </a:txBody>
@@ -16987,7 +16878,7 @@
                     <a:bodyPr/>
                     <a:lstStyle/>
                     <a:p>
-                      <a:pPr marL="0" marR="0" lvl="0" indent="0" algn="l" defTabSz="755934" rtl="0" eaLnBrk="1" fontAlgn="auto" latinLnBrk="0" hangingPunct="1">
+                      <a:pPr marL="0" marR="0" lvl="0" indent="0" algn="just" defTabSz="755934" rtl="0" eaLnBrk="1" fontAlgn="auto" latinLnBrk="0" hangingPunct="1">
                         <a:lnSpc>
                           <a:spcPct val="90000"/>
                         </a:lnSpc>
@@ -17013,7 +16904,7 @@
                           <a:ea typeface="+mn-ea"/>
                           <a:cs typeface="+mn-cs"/>
                         </a:rPr>
-                        <a:t>  NIVEAU INITIAL</a:t>
+                        <a:t>Date de constatation initiale</a:t>
                       </a:r>
                     </a:p>
                   </a:txBody>
@@ -17094,7 +16985,7 @@
                         <a:defRPr/>
                       </a:pPr>
                       <a:r>
-                        <a:rPr lang="fr-FR" sz="700" b="0" i="0" kern="1200" noProof="0">
+                        <a:rPr lang="fr-FR" sz="700" b="0" i="0" kern="1200" dirty="0">
                           <a:solidFill>
                             <a:schemeClr val="tx1"/>
                           </a:solidFill>
@@ -17172,7 +17063,7 @@
                     <a:bodyPr/>
                     <a:lstStyle/>
                     <a:p>
-                      <a:pPr marL="0" marR="0" lvl="0" indent="0" algn="l" defTabSz="755934" rtl="0" eaLnBrk="1" fontAlgn="auto" latinLnBrk="0" hangingPunct="1">
+                      <a:pPr marL="0" marR="0" lvl="0" indent="0" algn="just" defTabSz="755934" rtl="0" eaLnBrk="1" fontAlgn="auto" latinLnBrk="0" hangingPunct="1">
                         <a:lnSpc>
                           <a:spcPct val="90000"/>
                         </a:lnSpc>
@@ -17198,7 +17089,7 @@
                           <a:ea typeface="+mn-ea"/>
                           <a:cs typeface="+mn-cs"/>
                         </a:rPr>
-                        <a:t>DATE DE CONSTATATION FINALE</a:t>
+                        <a:t>Date de constatation finale</a:t>
                       </a:r>
                     </a:p>
                   </a:txBody>
@@ -17383,7 +17274,7 @@
                           <a:ea typeface="+mn-ea"/>
                           <a:cs typeface="+mn-cs"/>
                         </a:rPr>
-                        <a:t>DATE D’ÉCHÉANCE</a:t>
+                        <a:t>Date d’échéance</a:t>
                       </a:r>
                     </a:p>
                   </a:txBody>
@@ -17567,7 +17458,7 @@
                           <a:ea typeface="+mn-ea"/>
                           <a:cs typeface="+mn-cs"/>
                         </a:rPr>
-                        <a:t>DATES DE CONSTATATION &lt;F1&gt;</a:t>
+                        <a:t>Dates de constatation &lt;f1&gt;</a:t>
                       </a:r>
                     </a:p>
                   </a:txBody>
@@ -17652,14 +17543,33 @@
                           <a:solidFill>
                             <a:schemeClr val="tx1"/>
                           </a:solidFill>
-                          <a:highlight>
-                            <a:srgbClr val="00FFFF"/>
-                          </a:highlight>
                           <a:latin typeface="+mn-lt"/>
                           <a:ea typeface="+mn-ea"/>
                           <a:cs typeface="+mn-cs"/>
                         </a:rPr>
-                        <a:t>&lt;Datesconstatations3&gt;</a:t>
+                        <a:t>&lt;</a:t>
+                      </a:r>
+                      <a:r>
+                        <a:rPr lang="fr-FR" sz="700" b="0" i="0" kern="1200" dirty="0" err="1">
+                          <a:solidFill>
+                            <a:schemeClr val="tx1"/>
+                          </a:solidFill>
+                          <a:latin typeface="+mn-lt"/>
+                          <a:ea typeface="+mn-ea"/>
+                          <a:cs typeface="+mn-cs"/>
+                        </a:rPr>
+                        <a:t>dates_constat_phoenix</a:t>
+                      </a:r>
+                      <a:r>
+                        <a:rPr lang="fr-FR" sz="700" b="0" i="0" kern="1200" dirty="0">
+                          <a:solidFill>
+                            <a:schemeClr val="tx1"/>
+                          </a:solidFill>
+                          <a:latin typeface="+mn-lt"/>
+                          <a:ea typeface="+mn-ea"/>
+                          <a:cs typeface="+mn-cs"/>
+                        </a:rPr>
+                        <a:t>&gt;</a:t>
                       </a:r>
                     </a:p>
                   </a:txBody>
@@ -17755,7 +17665,7 @@
                           <a:ea typeface="+mn-ea"/>
                           <a:cs typeface="+mn-cs"/>
                         </a:rPr>
-                        <a:t>DATES DE PAIEMENT ÉVENTUEL DES COUPONS</a:t>
+                        <a:t>Dates de paiement éventuel des coupons</a:t>
                       </a:r>
                     </a:p>
                   </a:txBody>
@@ -17840,14 +17750,33 @@
                           <a:solidFill>
                             <a:schemeClr val="tx1"/>
                           </a:solidFill>
-                          <a:highlight>
-                            <a:srgbClr val="00FFFF"/>
-                          </a:highlight>
                           <a:latin typeface="+mn-lt"/>
                           <a:ea typeface="+mn-ea"/>
                           <a:cs typeface="+mn-cs"/>
                         </a:rPr>
-                        <a:t>&lt;Datespaiement1&gt;</a:t>
+                        <a:t>&lt;</a:t>
+                      </a:r>
+                      <a:r>
+                        <a:rPr lang="fr-FR" sz="700" b="0" i="0" kern="1200" dirty="0" err="1">
+                          <a:solidFill>
+                            <a:schemeClr val="tx1"/>
+                          </a:solidFill>
+                          <a:latin typeface="+mn-lt"/>
+                          <a:ea typeface="+mn-ea"/>
+                          <a:cs typeface="+mn-cs"/>
+                        </a:rPr>
+                        <a:t>dates_paiement_phoenix</a:t>
+                      </a:r>
+                      <a:r>
+                        <a:rPr lang="fr-FR" sz="700" b="0" i="0" kern="1200" dirty="0">
+                          <a:solidFill>
+                            <a:schemeClr val="tx1"/>
+                          </a:solidFill>
+                          <a:latin typeface="+mn-lt"/>
+                          <a:ea typeface="+mn-ea"/>
+                          <a:cs typeface="+mn-cs"/>
+                        </a:rPr>
+                        <a:t>&gt;</a:t>
                       </a:r>
                     </a:p>
                   </a:txBody>
@@ -17943,7 +17872,7 @@
                           <a:ea typeface="+mn-ea"/>
                           <a:cs typeface="+mn-cs"/>
                         </a:rPr>
-                        <a:t>DATES DE REMBOURSEMENT ANTICIPÉ AUTOMATIQUE ÉVENTUEL</a:t>
+                        <a:t>Dates de remboursement anticipé automatique éventuel</a:t>
                       </a:r>
                     </a:p>
                   </a:txBody>
@@ -18028,14 +17957,33 @@
                           <a:solidFill>
                             <a:schemeClr val="tx1"/>
                           </a:solidFill>
-                          <a:highlight>
-                            <a:srgbClr val="00FFFF"/>
-                          </a:highlight>
                           <a:latin typeface="+mn-lt"/>
                           <a:ea typeface="+mn-ea"/>
                           <a:cs typeface="+mn-cs"/>
                         </a:rPr>
-                        <a:t>&lt;Datesremb1&gt;</a:t>
+                        <a:t>&lt;</a:t>
+                      </a:r>
+                      <a:r>
+                        <a:rPr lang="fr-FR" sz="700" b="0" i="0" kern="1200" dirty="0" err="1">
+                          <a:solidFill>
+                            <a:schemeClr val="tx1"/>
+                          </a:solidFill>
+                          <a:latin typeface="+mn-lt"/>
+                          <a:ea typeface="+mn-ea"/>
+                          <a:cs typeface="+mn-cs"/>
+                        </a:rPr>
+                        <a:t>dates_last_remboursement_rappel</a:t>
+                      </a:r>
+                      <a:r>
+                        <a:rPr lang="fr-FR" sz="700" b="0" i="0" kern="1200" dirty="0">
+                          <a:solidFill>
+                            <a:schemeClr val="tx1"/>
+                          </a:solidFill>
+                          <a:latin typeface="+mn-lt"/>
+                          <a:ea typeface="+mn-ea"/>
+                          <a:cs typeface="+mn-cs"/>
+                        </a:rPr>
+                        <a:t>&gt;</a:t>
                       </a:r>
                     </a:p>
                   </a:txBody>
@@ -18131,7 +18079,7 @@
                           <a:ea typeface="+mn-ea"/>
                           <a:cs typeface="+mn-cs"/>
                         </a:rPr>
-                        <a:t>BARRIÈRE DE REMBOURSEMENT ANTICIPÉ AUTOMATIQUE</a:t>
+                        <a:t>Barrière de remboursement anticipé automatique</a:t>
                       </a:r>
                     </a:p>
                   </a:txBody>
@@ -18220,7 +18168,7 @@
                           <a:ea typeface="+mn-ea"/>
                           <a:cs typeface="+mn-cs"/>
                         </a:rPr>
-                        <a:t>&lt;BAC&gt; du &lt;NDR&gt; &lt;SJR7&gt;</a:t>
+                        <a:t>&lt;BRA&gt;</a:t>
                       </a:r>
                     </a:p>
                   </a:txBody>
@@ -18316,7 +18264,7 @@
                           <a:ea typeface="+mn-ea"/>
                           <a:cs typeface="+mn-cs"/>
                         </a:rPr>
-                        <a:t>BARRIÈRE DE VERSEMENT DES COUPONS</a:t>
+                        <a:t>Barrière de versement des coupons</a:t>
                       </a:r>
                     </a:p>
                   </a:txBody>
@@ -18397,7 +18345,7 @@
                         <a:defRPr/>
                       </a:pPr>
                       <a:r>
-                        <a:rPr lang="fr-FR" sz="700" b="0" i="0" kern="1200">
+                        <a:rPr lang="fr-FR" sz="700" b="0" i="0" kern="1200" dirty="0">
                           <a:solidFill>
                             <a:schemeClr val="tx1"/>
                           </a:solidFill>
@@ -18405,7 +18353,7 @@
                           <a:ea typeface="+mn-ea"/>
                           <a:cs typeface="+mn-cs"/>
                         </a:rPr>
-                        <a:t>&lt;BCPN&gt;% du &lt;NDR&gt; &lt;SJR7&gt;</a:t>
+                        <a:t>&lt;BVC&gt;</a:t>
                       </a:r>
                     </a:p>
                   </a:txBody>
@@ -18501,7 +18449,7 @@
                           <a:ea typeface="+mn-ea"/>
                           <a:cs typeface="+mn-cs"/>
                         </a:rPr>
-                        <a:t>BARRIÈRE DE PERTE EN CAPITAL À L’ÉCHÉANCE</a:t>
+                        <a:t>Barrière de perte en capital à l’échéance</a:t>
                       </a:r>
                     </a:p>
                   </a:txBody>
@@ -18686,7 +18634,7 @@
                           <a:ea typeface="+mn-ea"/>
                           <a:cs typeface="+mn-cs"/>
                         </a:rPr>
-                        <a:t>COMMISSION DE SOUSCRIPTION/RACHAT</a:t>
+                        <a:t>Commission de souscription/rachat</a:t>
                       </a:r>
                     </a:p>
                   </a:txBody>
@@ -18871,7 +18819,7 @@
                           <a:ea typeface="+mn-ea"/>
                           <a:cs typeface="+mn-cs"/>
                         </a:rPr>
-                        <a:t>ÉLIGIBILITÉ</a:t>
+                        <a:t>Éligibilité</a:t>
                       </a:r>
                     </a:p>
                   </a:txBody>
@@ -19055,7 +19003,7 @@
                           <a:ea typeface="+mn-ea"/>
                           <a:cs typeface="+mn-cs"/>
                         </a:rPr>
-                        <a:t>FRAIS D’INVESTISSEMENT</a:t>
+                        <a:t>Frais d’investissement</a:t>
                       </a:r>
                     </a:p>
                   </a:txBody>
@@ -19239,7 +19187,7 @@
                           <a:ea typeface="+mn-ea"/>
                           <a:cs typeface="+mn-cs"/>
                         </a:rPr>
-                        <a:t>COTATION</a:t>
+                        <a:t>Cotation</a:t>
                       </a:r>
                     </a:p>
                   </a:txBody>
@@ -19424,7 +19372,7 @@
                           <a:ea typeface="+mn-ea"/>
                           <a:cs typeface="+mn-cs"/>
                         </a:rPr>
-                        <a:t>COMMISSION DE DISTRIBUTION</a:t>
+                        <a:t>Commission de distribution</a:t>
                       </a:r>
                     </a:p>
                   </a:txBody>
@@ -19609,7 +19557,7 @@
                           <a:ea typeface="+mn-ea"/>
                           <a:cs typeface="+mn-cs"/>
                         </a:rPr>
-                        <a:t>DOUBLE VALORISATION</a:t>
+                        <a:t>Double valorisation</a:t>
                       </a:r>
                     </a:p>
                   </a:txBody>
@@ -19816,7 +19764,7 @@
                           <a:ea typeface="+mn-ea"/>
                           <a:cs typeface="+mn-cs"/>
                         </a:rPr>
-                        <a:t>MARCHÉ SECONDAIRE</a:t>
+                        <a:t>Marché secondaire</a:t>
                       </a:r>
                     </a:p>
                   </a:txBody>
@@ -19989,7 +19937,7 @@
                           <a:ea typeface="+mn-ea"/>
                           <a:cs typeface="+mn-cs"/>
                         </a:rPr>
-                        <a:t>AGENT DE CALCUL</a:t>
+                        <a:t>Agent de calcul</a:t>
                       </a:r>
                     </a:p>
                   </a:txBody>
@@ -20173,7 +20121,7 @@
                           <a:ea typeface="+mn-ea"/>
                           <a:cs typeface="+mn-cs"/>
                         </a:rPr>
-                        <a:t>CODE ISIN</a:t>
+                        <a:t>Code ISIN</a:t>
                       </a:r>
                     </a:p>
                   </a:txBody>
@@ -20948,43 +20896,25 @@
           <a:p>
             <a:pPr algn="just"/>
             <a:r>
-              <a:rPr lang="fr-FR" sz="650" baseline="30000" dirty="0">
+              <a:rPr lang="fr-FR" sz="650" dirty="0">
                 <a:solidFill>
                   <a:srgbClr val="000000"/>
                 </a:solidFill>
                 <a:latin typeface="Proxima Nova Rg" panose="02000506030000020004" pitchFamily="2" charset="0"/>
               </a:rPr>
-              <a:t>(1) </a:t>
-            </a:r>
-            <a:r>
-              <a:rPr lang="fr-FR" sz="650" dirty="0">
-                <a:solidFill>
-                  <a:srgbClr val="000000"/>
-                </a:solidFill>
-                <a:latin typeface="Proxima Nova Rg" panose="02000506030000020004" pitchFamily="2" charset="0"/>
-              </a:rPr>
-              <a:t>Veuillez vous référer au tableau récapitulant les principales caractéristiques financières en &lt;PAGE&gt; pour le détail des dates. </a:t>
+              <a:t>(1) Veuillez vous référer au tableau récapitulant les principales caractéristiques financières en &lt;PAGE&gt; pour le détail des dates. </a:t>
             </a:r>
           </a:p>
           <a:p>
             <a:pPr algn="just"/>
             <a:r>
-              <a:rPr lang="fr-FR" sz="650" baseline="30000" dirty="0">
+              <a:rPr lang="fr-FR" sz="650" dirty="0">
                 <a:solidFill>
                   <a:srgbClr val="000000"/>
                 </a:solidFill>
                 <a:latin typeface="Proxima Nova Rg" panose="02000506030000020004" pitchFamily="2" charset="0"/>
               </a:rPr>
-              <a:t>(2)</a:t>
-            </a:r>
-            <a:r>
-              <a:rPr lang="fr-FR" sz="650" dirty="0">
-                <a:solidFill>
-                  <a:srgbClr val="000000"/>
-                </a:solidFill>
-                <a:latin typeface="Proxima Nova Rg" panose="02000506030000020004" pitchFamily="2" charset="0"/>
-              </a:rPr>
-              <a:t> En prenant comme hypothèse 1,00% de frais de gestion du contrat d’assurance vie ou de capitalisation. TRA nets hors autres frais, fiscalité et prélèvements sociaux applicables au cadre d’investissement, et hors défaut de paiement et/ou faillite de l’Émetteur et du Garant de la formule et hors mise en résolution du Garant de la formule. Les TRA sont calculés à partir du &lt;2PDC_MAJ&gt; jusqu’à la date de remboursement anticipé automatique éventuel</a:t>
+              <a:t>(2) En prenant comme hypothèse 1,00% de frais de gestion du contrat d’assurance vie ou de capitalisation. TRA nets hors autres frais, fiscalité et prélèvements sociaux applicables au cadre d’investissement, et hors défaut de paiement et/ou faillite de l’Émetteur et du Garant de la formule et hors mise en résolution du Garant de la formule. Les TRA sont calculés à partir du &lt;2PDC_MAJ&gt; jusqu’à la date de remboursement anticipé automatique éventuel</a:t>
             </a:r>
             <a:r>
               <a:rPr lang="fr-FR" sz="650" baseline="30000" dirty="0">
@@ -21554,7 +21484,7 @@
         <p:spPr>
           <a:xfrm>
             <a:off x="458462" y="974579"/>
-            <a:ext cx="6741374" cy="3769237"/>
+            <a:ext cx="6741374" cy="3658437"/>
           </a:xfrm>
           <a:prstGeom prst="rect">
             <a:avLst/>
@@ -22052,48 +21982,8 @@
                 <a:ea typeface="+mn-ea"/>
                 <a:cs typeface="+mn-cs"/>
               </a:rPr>
-              <a:t>Pour un investissement dans « &lt;NOM&gt; », vous êtes exposé pour une durée de &lt;1PR&gt; à &lt;DPRR&gt; &lt;F0&gt;&lt;F0s&gt; à la performance positive ou négative &lt;SJR6&gt;</a:t>
-            </a:r>
-            <a:r>
-              <a:rPr lang="fr-FR" sz="800" b="1" dirty="0">
-                <a:solidFill>
-                  <a:schemeClr val="tx1"/>
-                </a:solidFill>
-                <a:latin typeface="Proxima Nova Rg"/>
-              </a:rPr>
-              <a:t> </a:t>
-            </a:r>
-            <a:r>
-              <a:rPr kumimoji="0" lang="fr-FR" sz="800" b="1" i="0" u="none" strike="noStrike" kern="1200" cap="none" spc="0" normalizeH="0" baseline="0" dirty="0">
-                <a:ln>
-                  <a:noFill/>
-                </a:ln>
-                <a:solidFill>
-                  <a:schemeClr val="tx1"/>
-                </a:solidFill>
-                <a:effectLst/>
-                <a:uLnTx/>
-                <a:uFillTx/>
-                <a:latin typeface="Proxima Nova Rg"/>
-                <a:ea typeface="+mn-ea"/>
-                <a:cs typeface="+mn-cs"/>
-              </a:rPr>
-              <a:t>&lt;BLOCDIVIDENDE&gt;.</a:t>
-            </a:r>
-            <a:endParaRPr kumimoji="0" lang="fr-FR" sz="800" b="1" i="0" u="none" strike="noStrike" kern="1200" cap="none" spc="0" normalizeH="0" baseline="0" noProof="0" dirty="0">
-              <a:ln>
-                <a:noFill/>
-              </a:ln>
-              <a:solidFill>
-                <a:schemeClr val="tx1"/>
-              </a:solidFill>
-              <a:effectLst/>
-              <a:uLnTx/>
-              <a:uFillTx/>
-              <a:latin typeface="Proxima Nova Rg"/>
-              <a:ea typeface="+mn-ea"/>
-              <a:cs typeface="+mn-cs"/>
-            </a:endParaRPr>
+              <a:t>Pour un investissement dans « &lt;NOM&gt; », vous êtes exposé pour une durée &lt;DUREE&gt; à l’évolution &lt;SJR6&gt; &lt;BLOCDIVIDENDE&gt;.</a:t>
+            </a:r>
           </a:p>
           <a:p>
             <a:pPr marL="0" marR="0" lvl="1" indent="0" algn="just" defTabSz="755934" rtl="0" eaLnBrk="1" fontAlgn="auto" latinLnBrk="0" hangingPunct="1">
@@ -22240,47 +22130,7 @@
                 <a:ea typeface="+mn-ea"/>
                 <a:cs typeface="+mn-cs"/>
               </a:rPr>
-              <a:t>… avec un mécanisme de remboursement anticipé activable automatiquement à toutes les dates de </a:t>
-            </a:r>
-            <a:r>
-              <a:rPr lang="fr-FR" sz="800" b="1" dirty="0">
-                <a:solidFill>
-                  <a:srgbClr val="B9A049"/>
-                </a:solidFill>
-                <a:latin typeface="Proxima Nova Rg"/>
-              </a:rPr>
-              <a:t>constatation &lt;F1&gt; dès </a:t>
-            </a:r>
-            <a:r>
-              <a:rPr kumimoji="0" lang="fr-FR" sz="800" b="1" i="0" u="none" strike="noStrike" kern="1200" cap="none" spc="0" normalizeH="0" baseline="0" noProof="0" dirty="0">
-                <a:ln>
-                  <a:noFill/>
-                </a:ln>
-                <a:solidFill>
-                  <a:srgbClr val="B9A049"/>
-                </a:solidFill>
-                <a:effectLst/>
-                <a:uLnTx/>
-                <a:uFillTx/>
-                <a:latin typeface="Proxima Nova Rg"/>
-                <a:ea typeface="+mn-ea"/>
-                <a:cs typeface="+mn-cs"/>
-              </a:rPr>
-              <a:t>la fin &lt;DU&gt; &lt;F0&gt; &lt;1PR&gt; jusqu'à la fin &lt;DU&gt; &lt;F0&gt; &lt;ADPR&gt;</a:t>
-            </a:r>
-            <a:r>
-              <a:rPr kumimoji="0" lang="fr-FR" sz="800" b="1" i="0" u="none" strike="noStrike" kern="1200" cap="none" spc="0" normalizeH="0" baseline="0" noProof="0" dirty="0">
-                <a:ln>
-                  <a:noFill/>
-                </a:ln>
-                <a:effectLst/>
-                <a:uLnTx/>
-                <a:uFillTx/>
-                <a:latin typeface="Proxima Nova Rg"/>
-                <a:ea typeface="+mn-ea"/>
-                <a:cs typeface="+mn-cs"/>
-              </a:rPr>
-              <a:t> </a:t>
+              <a:t>… avec un mécanisme de remboursement anticipé activable automatiquement &lt;PERIODE_DE_REMBOURSEMENT&gt; </a:t>
             </a:r>
             <a:r>
               <a:rPr kumimoji="0" lang="fr-FR" sz="800" b="0" i="0" u="none" strike="noStrike" kern="1200" cap="none" spc="0" normalizeH="0" baseline="0" noProof="0" dirty="0">
@@ -22420,7 +22270,16 @@
                 <a:ea typeface="+mn-ea"/>
                 <a:cs typeface="+mn-cs"/>
               </a:rPr>
-              <a:t>avec un objectif de gain fixe plafonné à &lt;CPN&gt; par &lt;F0&gt; &lt;F2&gt; depuis le &lt;DDCI&gt; (soit &lt;GCA&gt; par année écoulée) </a:t>
+              <a:t>avec un objectif de coupon fixe plafonné à &lt;CPN&gt; &lt;environ&gt; par &lt;F0&gt; &lt;ANNUALISE&gt; &lt;Mémoire6&gt;</a:t>
+            </a:r>
+            <a:r>
+              <a:rPr lang="fr-FR" sz="800" b="1" dirty="0">
+                <a:solidFill>
+                  <a:srgbClr val="B9A049"/>
+                </a:solidFill>
+                <a:latin typeface="Proxima Nova Rg"/>
+              </a:rPr>
+              <a:t> </a:t>
             </a:r>
             <a:r>
               <a:rPr kumimoji="0" lang="fr-FR" sz="800" b="0" i="0" u="none" strike="noStrike" kern="1200" cap="none" spc="0" normalizeH="0" baseline="0" noProof="0" dirty="0">
@@ -22490,7 +22349,7 @@
                 <a:ea typeface="+mn-ea"/>
                 <a:cs typeface="+mn-cs"/>
               </a:rPr>
-              <a:t>ou égal à &lt;BCPN&gt; &lt;balisedeg1&gt;</a:t>
+              <a:t>ou égal à </a:t>
             </a:r>
             <a:r>
               <a:rPr kumimoji="0" lang="fr-FR" sz="800" b="0" i="0" u="none" strike="noStrike" kern="1200" cap="none" spc="0" normalizeH="0" baseline="0" noProof="0" dirty="0">
@@ -22504,7 +22363,7 @@
                 <a:ea typeface="+mn-ea"/>
                 <a:cs typeface="+mn-cs"/>
               </a:rPr>
-              <a:t>.</a:t>
+              <a:t>&lt;ABAC2&gt;.</a:t>
             </a:r>
             <a:endParaRPr kumimoji="0" lang="fr-FR" sz="800" b="0" i="0" u="none" strike="noStrike" kern="1200" cap="none" spc="0" normalizeH="0" baseline="0" noProof="0" dirty="0">
               <a:ln>
@@ -22664,7 +22523,7 @@
                 <a:ea typeface="+mn-ea"/>
                 <a:cs typeface="+mn-cs"/>
               </a:rPr>
-              <a:t>: En acceptant de limiter leurs gains à &lt;CPN&gt; par &lt;F0&gt; écoulé (soit un Taux de Rendement Annuel net maximum de &lt;TRA.F.A&gt;</a:t>
+              <a:t>: En acceptant de limiter leurs gains à &lt;CPN&gt; &lt;environ&gt; par &lt;F0&gt; écoulé (soit un Taux de Rendement Annuel net maximum de &lt;TRA.F.A&gt;</a:t>
             </a:r>
             <a:r>
               <a:rPr kumimoji="0" lang="fr-FR" sz="800" b="0" i="0" u="none" strike="noStrike" kern="1200" cap="none" spc="0" normalizeH="0" baseline="30000" noProof="0" dirty="0">
@@ -23183,43 +23042,25 @@
           <a:p>
             <a:pPr algn="just"/>
             <a:r>
-              <a:rPr lang="fr-FR" sz="650" baseline="30000" dirty="0">
+              <a:rPr lang="fr-FR" sz="650" dirty="0">
                 <a:solidFill>
                   <a:srgbClr val="000000"/>
                 </a:solidFill>
                 <a:latin typeface="Proxima Nova Rg" panose="02000506030000020004" pitchFamily="2" charset="0"/>
               </a:rPr>
-              <a:t>(1) </a:t>
-            </a:r>
-            <a:r>
-              <a:rPr lang="fr-FR" sz="650" dirty="0">
-                <a:solidFill>
-                  <a:srgbClr val="000000"/>
-                </a:solidFill>
-                <a:latin typeface="Proxima Nova Rg" panose="02000506030000020004" pitchFamily="2" charset="0"/>
-              </a:rPr>
-              <a:t>Veuillez vous référer au tableau récapitulant les principales caractéristiques financières en &lt;PAGE&gt; pour le détail des dates. </a:t>
+              <a:t>(1) Veuillez vous référer au tableau récapitulant les principales caractéristiques financières en &lt;PAGE&gt; pour le détail des dates. </a:t>
             </a:r>
           </a:p>
           <a:p>
             <a:pPr algn="just"/>
             <a:r>
-              <a:rPr lang="fr-FR" sz="650" baseline="30000" dirty="0">
+              <a:rPr lang="fr-FR" sz="650" dirty="0">
                 <a:solidFill>
                   <a:srgbClr val="000000"/>
                 </a:solidFill>
                 <a:latin typeface="Proxima Nova Rg" panose="02000506030000020004" pitchFamily="2" charset="0"/>
               </a:rPr>
-              <a:t>(2)</a:t>
-            </a:r>
-            <a:r>
-              <a:rPr lang="fr-FR" sz="650" dirty="0">
-                <a:solidFill>
-                  <a:srgbClr val="000000"/>
-                </a:solidFill>
-                <a:latin typeface="Proxima Nova Rg" panose="02000506030000020004" pitchFamily="2" charset="0"/>
-              </a:rPr>
-              <a:t> En prenant comme hypothèse 1,00% de frais de gestion du contrat d’assurance vie ou de capitalisation. TRA nets hors autres frais, fiscalité et prélèvements sociaux applicables au cadre d’investissement, et hors défaut de paiement et/ou faillite de l’Émetteur et du Garant de la formule et hors mise en résolution du Garant de la formule. Les TRA sont calculés à partir du &lt;2PDC_MAJ&gt; jusqu’à la date de remboursement anticipé automatique éventuel</a:t>
+              <a:t>(2) En prenant comme hypothèse 1,00% de frais de gestion du contrat d’assurance vie ou de capitalisation. TRA nets hors autres frais, fiscalité et prélèvements sociaux applicables au cadre d’investissement, et hors défaut de paiement et/ou faillite de l’Émetteur et du Garant de la formule et hors mise en résolution du Garant de la formule. Les TRA sont calculés à partir du &lt;2PDC_MAJ&gt; jusqu’à la date de remboursement anticipé automatique éventuel</a:t>
             </a:r>
             <a:r>
               <a:rPr lang="fr-FR" sz="650" baseline="30000" dirty="0">
@@ -23789,7 +23630,7 @@
         <p:spPr>
           <a:xfrm>
             <a:off x="458462" y="974579"/>
-            <a:ext cx="6741374" cy="3547638"/>
+            <a:ext cx="6741374" cy="3326039"/>
           </a:xfrm>
           <a:prstGeom prst="rect">
             <a:avLst/>
@@ -24005,7 +23846,7 @@
                 </a:solidFill>
                 <a:latin typeface="Proxima Nova Rg"/>
               </a:rPr>
-              <a:t>la &lt;DDCI_M_B_STRIKE&gt; </a:t>
+              <a:t>le &lt;2PDC&gt; </a:t>
             </a:r>
             <a:r>
               <a:rPr kumimoji="0" lang="fr-FR" sz="800" b="0" i="0" u="none" strike="noStrike" kern="1200" cap="none" spc="0" normalizeH="0" baseline="0" noProof="0" dirty="0">
@@ -24022,7 +23863,7 @@
                 <a:ea typeface="+mn-ea"/>
                 <a:cs typeface="+mn-cs"/>
               </a:rPr>
-              <a:t>date de constatation initiale</a:t>
+              <a:t>et la date d’échéance</a:t>
             </a:r>
             <a:r>
               <a:rPr lang="fr-FR" sz="800" baseline="30000" dirty="0">
@@ -24030,7 +23871,11 @@
                   <a:schemeClr val="tx2"/>
                 </a:solidFill>
               </a:rPr>
-              <a:t> (1)</a:t>
+              <a:t>(1) </a:t>
+            </a:r>
+            <a:r>
+              <a:rPr lang="fr-FR" sz="800" b="1" baseline="30000" dirty="0"/>
+              <a:t> </a:t>
             </a:r>
             <a:r>
               <a:rPr kumimoji="0" lang="fr-FR" sz="800" b="0" i="0" u="none" strike="noStrike" kern="1200" cap="none" spc="0" normalizeH="0" baseline="0" noProof="0" dirty="0">
@@ -24047,27 +23892,15 @@
                 <a:ea typeface="+mn-ea"/>
                 <a:cs typeface="+mn-cs"/>
               </a:rPr>
-              <a:t> (soit le &lt;2PDC&gt;) et la date d’échéance</a:t>
-            </a:r>
-            <a:r>
-              <a:rPr lang="fr-FR" sz="800" b="1" baseline="30000" dirty="0">
+              <a:t>ou la date de remboursement automatique anticipé effective</a:t>
+            </a:r>
+            <a:r>
+              <a:rPr lang="fr-FR" sz="800" baseline="30000" dirty="0">
                 <a:solidFill>
                   <a:schemeClr val="tx2"/>
                 </a:solidFill>
               </a:rPr>
-              <a:t> </a:t>
-            </a:r>
-            <a:r>
-              <a:rPr lang="fr-FR" sz="800" baseline="30000" dirty="0">
-                <a:solidFill>
-                  <a:schemeClr val="tx2"/>
-                </a:solidFill>
-              </a:rPr>
-              <a:t>(1) </a:t>
-            </a:r>
-            <a:r>
-              <a:rPr lang="fr-FR" sz="800" b="1" baseline="30000" dirty="0"/>
-              <a:t> </a:t>
+              <a:t>(1) </a:t>
             </a:r>
             <a:r>
               <a:rPr kumimoji="0" lang="fr-FR" sz="800" b="0" i="0" u="none" strike="noStrike" kern="1200" cap="none" spc="0" normalizeH="0" baseline="0" noProof="0" dirty="0">
@@ -24084,15 +23917,24 @@
                 <a:ea typeface="+mn-ea"/>
                 <a:cs typeface="+mn-cs"/>
               </a:rPr>
-              <a:t>ou la date de remboursement automatique anticipé effective</a:t>
-            </a:r>
-            <a:r>
-              <a:rPr lang="fr-FR" sz="800" baseline="30000" dirty="0">
-                <a:solidFill>
-                  <a:schemeClr val="tx2"/>
-                </a:solidFill>
-              </a:rPr>
-              <a:t> (1) </a:t>
+              <a:t>selon les cas. En cas d’achat après le &lt;2PDC&gt; et/ou de vente du titre de créance avant la date d’échéance</a:t>
+            </a:r>
+            <a:r>
+              <a:rPr kumimoji="0" lang="fr-FR" sz="800" b="0" i="0" u="none" strike="noStrike" kern="1200" cap="none" spc="0" normalizeH="0" baseline="30000" noProof="0" dirty="0">
+                <a:ln>
+                  <a:noFill/>
+                </a:ln>
+                <a:solidFill>
+                  <a:schemeClr val="tx1"/>
+                </a:solidFill>
+                <a:effectLst/>
+                <a:uLnTx/>
+                <a:uFillTx/>
+                <a:latin typeface="Proxima Nova Rg"/>
+                <a:ea typeface="+mn-ea"/>
+                <a:cs typeface="+mn-cs"/>
+              </a:rPr>
+              <a:t>(1)</a:t>
             </a:r>
             <a:r>
               <a:rPr kumimoji="0" lang="fr-FR" sz="800" b="0" i="0" u="none" strike="noStrike" kern="1200" cap="none" spc="0" normalizeH="0" baseline="0" noProof="0" dirty="0">
@@ -24109,10 +23951,10 @@
                 <a:ea typeface="+mn-ea"/>
                 <a:cs typeface="+mn-cs"/>
               </a:rPr>
-              <a:t>selon les cas. En cas d’achat après le &lt;2PDC&gt; et/ou de vente du titre de créance avant la date d’</a:t>
-            </a:r>
-            <a:r>
-              <a:rPr kumimoji="0" lang="fr-FR" sz="800" b="0" i="0" u="none" strike="noStrike" kern="1200" cap="none" spc="0" normalizeH="0" baseline="0" noProof="0" dirty="0" err="1">
+              <a:t> ou la date de remboursement automatique anticipé effective</a:t>
+            </a:r>
+            <a:r>
+              <a:rPr kumimoji="0" lang="fr-FR" sz="800" b="0" i="0" u="none" strike="noStrike" kern="1200" cap="none" spc="0" normalizeH="0" baseline="30000" noProof="0" dirty="0">
                 <a:ln>
                   <a:noFill/>
                 </a:ln>
@@ -24126,7 +23968,7 @@
                 <a:ea typeface="+mn-ea"/>
                 <a:cs typeface="+mn-cs"/>
               </a:rPr>
-              <a:t>échance</a:t>
+              <a:t>(1)</a:t>
             </a:r>
             <a:r>
               <a:rPr kumimoji="0" lang="fr-FR" sz="800" b="0" i="0" u="none" strike="noStrike" kern="1200" cap="none" spc="0" normalizeH="0" baseline="0" noProof="0" dirty="0">
@@ -24143,7 +23985,7 @@
                 <a:ea typeface="+mn-ea"/>
                 <a:cs typeface="+mn-cs"/>
               </a:rPr>
-              <a:t> (1) ou la date de remboursement automatique anticipé effective (1) (ou en cas d’arbitrage ou de rachat pour les contrats d’assurance vie ou de capitalisation, ou de dénouement par décès pour les contrats d’assurance vie), les Taux de Rendement Annuel effectifs peuvent être supérieurs ou inférieurs aux Taux de Rendement Annuel indiqués dans la présente brochure. </a:t>
+              <a:t> (ou en cas d’arbitrage ou de rachat pour les contrats d’assurance vie ou de capitalisation, ou de dénouement par décès pour les contrats d’assurance vie), les Taux de Rendement Annuel effectifs peuvent être supérieurs ou inférieurs aux Taux de Rendement Annuel indiqués dans la présente brochure. </a:t>
             </a:r>
             <a:r>
               <a:rPr kumimoji="0" lang="fr-FR" sz="800" b="1" i="0" u="none" strike="noStrike" kern="1200" cap="none" spc="0" normalizeH="0" baseline="0" noProof="0" dirty="0">
@@ -24210,48 +24052,8 @@
                 <a:ea typeface="+mn-ea"/>
                 <a:cs typeface="+mn-cs"/>
               </a:rPr>
-              <a:t>Pour un investissement dans « &lt;NOM&gt; », vous êtes exposé pour une durée de &lt;1PR&gt; à &lt;DPRR&gt; &lt;F0&gt;&lt;F0s&gt; à la performance positive ou négative &lt;SJR6&gt;</a:t>
-            </a:r>
-            <a:r>
-              <a:rPr lang="fr-FR" sz="800" b="1" dirty="0">
-                <a:solidFill>
-                  <a:schemeClr val="tx1"/>
-                </a:solidFill>
-                <a:latin typeface="Proxima Nova Rg"/>
-              </a:rPr>
-              <a:t> </a:t>
-            </a:r>
-            <a:r>
-              <a:rPr kumimoji="0" lang="fr-FR" sz="800" b="1" i="0" u="none" strike="noStrike" kern="1200" cap="none" spc="0" normalizeH="0" baseline="0" dirty="0">
-                <a:ln>
-                  <a:noFill/>
-                </a:ln>
-                <a:solidFill>
-                  <a:schemeClr val="tx1"/>
-                </a:solidFill>
-                <a:effectLst/>
-                <a:uLnTx/>
-                <a:uFillTx/>
-                <a:latin typeface="Proxima Nova Rg"/>
-                <a:ea typeface="+mn-ea"/>
-                <a:cs typeface="+mn-cs"/>
-              </a:rPr>
-              <a:t>&lt;BLOCDIVIDENDE&gt;.</a:t>
-            </a:r>
-            <a:endParaRPr kumimoji="0" lang="fr-FR" sz="800" b="1" i="0" u="none" strike="noStrike" kern="1200" cap="none" spc="0" normalizeH="0" baseline="0" noProof="0" dirty="0">
-              <a:ln>
-                <a:noFill/>
-              </a:ln>
-              <a:solidFill>
-                <a:schemeClr val="tx1"/>
-              </a:solidFill>
-              <a:effectLst/>
-              <a:uLnTx/>
-              <a:uFillTx/>
-              <a:latin typeface="Proxima Nova Rg"/>
-              <a:ea typeface="+mn-ea"/>
-              <a:cs typeface="+mn-cs"/>
-            </a:endParaRPr>
+              <a:t>Pour un investissement dans « &lt;NOM&gt; », vous êtes exposé pour une durée &lt;DUREE&gt; à l’évolution &lt;SJR6&gt; &lt;BLOCDIVIDENDE&gt;.</a:t>
+            </a:r>
           </a:p>
           <a:p>
             <a:pPr marL="0" marR="0" lvl="1" indent="0" algn="just" defTabSz="755934" rtl="0" eaLnBrk="1" fontAlgn="auto" latinLnBrk="0" hangingPunct="1">
@@ -25156,43 +24958,25 @@
           <a:p>
             <a:pPr marL="0" lvl="1" algn="just"/>
             <a:r>
-              <a:rPr lang="fr-FR" sz="650" baseline="30000" dirty="0">
+              <a:rPr lang="fr-FR" sz="650" dirty="0">
                 <a:solidFill>
                   <a:schemeClr val="tx2"/>
                 </a:solidFill>
                 <a:latin typeface="+mn-lt"/>
               </a:rPr>
-              <a:t>(1)</a:t>
-            </a:r>
-            <a:r>
-              <a:rPr lang="fr-FR" sz="650" dirty="0">
-                <a:solidFill>
-                  <a:schemeClr val="tx2"/>
-                </a:solidFill>
-                <a:latin typeface="+mn-lt"/>
-              </a:rPr>
-              <a:t> Veuillez vous référer au tableau récapitulant les principales caractéristiques financières en &lt;PAGE&gt; pour le détail des dates. </a:t>
+              <a:t>(1) Veuillez vous référer au tableau récapitulant les principales caractéristiques financières en &lt;PAGE&gt; pour le détail des dates. </a:t>
             </a:r>
           </a:p>
           <a:p>
             <a:pPr marL="0" lvl="1" algn="just"/>
             <a:r>
-              <a:rPr lang="fr-FR" sz="650" baseline="30000" dirty="0">
+              <a:rPr lang="fr-FR" sz="650" dirty="0">
                 <a:solidFill>
                   <a:schemeClr val="tx2"/>
                 </a:solidFill>
                 <a:latin typeface="+mn-lt"/>
               </a:rPr>
-              <a:t>(2)</a:t>
-            </a:r>
-            <a:r>
-              <a:rPr lang="fr-FR" sz="650" dirty="0">
-                <a:solidFill>
-                  <a:schemeClr val="tx2"/>
-                </a:solidFill>
-                <a:latin typeface="+mn-lt"/>
-              </a:rPr>
-              <a:t> En prenant comme hypothèse 1,00% de frais de gestion du contrat d’assurance vie ou de capitalisation. TRA nets hors autres frais, fiscalité et prélèvements sociaux applicables au cadre d’investissement, et hors défaut de paiement et/ou faillite de l’Émetteur et du Garant de la formule et hors mise en résolution du Garant de la formule. Les TRA sont calculés à partir du &lt;2PDC&gt; jusqu’à la date de remboursement anticipé automatique éventuel</a:t>
+              <a:t>(2) En prenant comme hypothèse 1,00% de frais de gestion du contrat d’assurance vie ou de capitalisation. TRA nets hors autres frais, fiscalité et prélèvements sociaux applicables au cadre d’investissement, et hors défaut de paiement et/ou faillite de l’Émetteur et du Garant de la formule et hors mise en résolution du Garant de la formule. Les TRA sont calculés à partir du &lt;2PDC&gt; jusqu’à la date de remboursement anticipé automatique éventuel</a:t>
             </a:r>
             <a:r>
               <a:rPr lang="fr-FR" sz="650" baseline="30000" dirty="0">
@@ -25551,7 +25335,7 @@
                   <a:srgbClr val="000000"/>
                 </a:solidFill>
               </a:rPr>
-              <a:t>De la fin &lt;DU&gt; &lt;F0&gt; &lt;1PR&gt; jusqu'à la fin &lt;DU&gt; &lt;F0&gt; &lt;ADPR&gt;, si à l’une des dates de constatation</a:t>
+              <a:t>&lt;PERIODE_DE_REMBOURSEMENT&gt;, si à l’une des dates de constatation &lt;F1&gt; correspondantes</a:t>
             </a:r>
             <a:r>
               <a:rPr lang="fr-FR" sz="800" baseline="30000" dirty="0">
@@ -25567,7 +25351,7 @@
                   <a:srgbClr val="000000"/>
                 </a:solidFill>
               </a:rPr>
-              <a:t> &lt;F1&gt; &lt;SJR1&gt; clôture à un &lt;SJR3&gt; supérieur ou égal à &lt;ABAC&gt;, </a:t>
+              <a:t> &lt;SJR1&gt; clôture à un &lt;SJR3&gt; supérieur ou égal à &lt;ABAC&gt;, </a:t>
             </a:r>
             <a:r>
               <a:rPr lang="fr-FR" sz="800" b="1" dirty="0">
@@ -25583,7 +25367,7 @@
                   <a:srgbClr val="000000"/>
                 </a:solidFill>
               </a:rPr>
-              <a:t>et l’investisseur récupère alors l’intégralité de son capital initial, majorée d’un &lt;GC&gt; de &lt;CPN&gt; par &lt;F0&gt; &lt;F2&gt; depuis le &lt;DDCI&gt; (soit &lt;GCA&gt;</a:t>
+              <a:t>et l’investisseur récupère alors l’intégralité de son capital initial, majorée d’un &lt;GC&gt; de &lt;CPN&gt; &lt;environ&gt; par &lt;F0&gt; &lt;F2&gt; depuis le &lt;DDCI&gt;&lt;exclus&gt; (soit &lt;GCA&gt;</a:t>
             </a:r>
             <a:r>
               <a:rPr lang="fr-FR" sz="800" i="1" dirty="0">
@@ -25599,7 +25383,7 @@
                   <a:srgbClr val="000000"/>
                 </a:solidFill>
               </a:rPr>
-              <a:t>par année écoulée et un Taux de Rendement Annuel net maximum de &lt;TRA.F.A&gt;</a:t>
+              <a:t>par année écoulée et un taux de rendement annuel net maximum de &lt;TRA.F.A&gt;</a:t>
             </a:r>
             <a:r>
               <a:rPr lang="fr-FR" sz="800" baseline="30000" dirty="0">
@@ -25660,7 +25444,7 @@
                   <a:srgbClr val="000000"/>
                 </a:solidFill>
               </a:rPr>
-              <a:t>, si le mécanisme de remboursement anticipé n’a pas été activé au préalable, et si &lt;SJR1&gt; clôture à un &lt;SJR3&gt; supérieur ou égal à &lt;DBAC&gt; de son &lt;NDR&gt;, l’investisseur récupère alors l’intégralité de son capital initial, majorée d’un &lt;GC&gt; de &lt;CPN&gt; par &lt;F0&gt; &lt;F2&gt; depuis le &lt;DDCI&gt;  (soit un &lt;GC&gt; de &lt;GCE&gt; et un Taux de Rendement Annuel net de &lt;TRA.MG.A&gt;</a:t>
+              <a:t>, si le mécanisme de remboursement anticipé n’a pas été activé au préalable, et si &lt;SJR1&gt; clôture à un &lt;SJR3&gt; supérieur ou égal à &lt;DBAC&gt; de son &lt;NDR&gt;, l’investisseur récupère alors l’intégralité de son capital initial, majorée d’un &lt;GC&gt; de &lt;CPN&gt; &lt;environ&gt; par &lt;F0&gt; &lt;F2&gt; depuis le &lt;DDCI&gt;&lt;exclus&gt;  (soit un &lt;GC&gt; de &lt;GCE&gt; et un taux de rendement annuel net de &lt;TRA.MG.A&gt;</a:t>
             </a:r>
             <a:r>
               <a:rPr lang="fr-FR" sz="800" baseline="30000" dirty="0">
@@ -25930,7 +25714,7 @@
                   <a:srgbClr val="000000"/>
                 </a:solidFill>
               </a:rPr>
-              <a:t>L’investisseur ne connaît pas à l’avance la durée exacte de son investissement qui peut varier de </a:t>
+              <a:t>L’investisseur ne connaît pas à l’avance la durée exacte de son investissement qui peut varier de &lt;DUREE&gt;</a:t>
             </a:r>
             <a:r>
               <a:rPr lang="fr-FR" sz="800" b="1" dirty="0">
@@ -25938,7 +25722,7 @@
                   <a:srgbClr val="000000"/>
                 </a:solidFill>
               </a:rPr>
-              <a:t>&lt;1PR&gt; à &lt;DPRR&gt; &lt;F0&gt;&lt;F0s&gt;.</a:t>
+              <a:t>.</a:t>
             </a:r>
           </a:p>
           <a:p>
@@ -25969,7 +25753,7 @@
                   <a:srgbClr val="000000"/>
                 </a:solidFill>
               </a:rPr>
-              <a:t>mécanisme de plafonnement des gains à &lt;CPN&gt; par &lt;F0&gt; &lt;F2&gt; depuis le &lt;DDCI&gt; </a:t>
+              <a:t>mécanisme de plafonnement des gains à &lt;CPN&gt; &lt;environ&gt; par &lt;F0&gt; &lt;F2&gt; depuis le &lt;DDCI&gt;&lt;exclus&gt; </a:t>
             </a:r>
             <a:r>
               <a:rPr lang="fr-FR" sz="800" dirty="0">
@@ -26292,43 +26076,25 @@
           <a:p>
             <a:pPr marL="0" lvl="1" algn="just"/>
             <a:r>
-              <a:rPr lang="fr-FR" sz="650" baseline="30000" dirty="0">
+              <a:rPr lang="fr-FR" sz="650" dirty="0">
                 <a:solidFill>
                   <a:schemeClr val="tx2"/>
                 </a:solidFill>
                 <a:latin typeface="+mn-lt"/>
               </a:rPr>
-              <a:t>(1)</a:t>
-            </a:r>
-            <a:r>
-              <a:rPr lang="fr-FR" sz="650" dirty="0">
-                <a:solidFill>
-                  <a:schemeClr val="tx2"/>
-                </a:solidFill>
-                <a:latin typeface="+mn-lt"/>
-              </a:rPr>
-              <a:t> Veuillez vous référer au tableau récapitulant les principales caractéristiques financières en &lt;PAGE&gt; pour le détail des dates. </a:t>
+              <a:t>(1) Veuillez vous référer au tableau récapitulant les principales caractéristiques financières en &lt;PAGE&gt; pour le détail des dates. </a:t>
             </a:r>
           </a:p>
           <a:p>
             <a:pPr marL="0" lvl="1" algn="just"/>
             <a:r>
-              <a:rPr lang="fr-FR" sz="650" baseline="30000" dirty="0">
+              <a:rPr lang="fr-FR" sz="650" dirty="0">
                 <a:solidFill>
                   <a:schemeClr val="tx2"/>
                 </a:solidFill>
                 <a:latin typeface="+mn-lt"/>
               </a:rPr>
-              <a:t>(2)</a:t>
-            </a:r>
-            <a:r>
-              <a:rPr lang="fr-FR" sz="650" dirty="0">
-                <a:solidFill>
-                  <a:schemeClr val="tx2"/>
-                </a:solidFill>
-                <a:latin typeface="+mn-lt"/>
-              </a:rPr>
-              <a:t> En prenant comme hypothèse 1,00% de frais de gestion du contrat d’assurance vie ou de capitalisation. TRA nets hors autres frais, fiscalité et prélèvements sociaux applicables au cadre d’investissement, et hors défaut de paiement et/ou faillite de l’Émetteur et du Garant de la formule et hors mise en résolution du Garant de la formule. Les TRA sont calculés à partir du &lt;2PDC&gt; jusqu’à la date de remboursement anticipé automatique éventuel</a:t>
+              <a:t>(2) En prenant comme hypothèse 1,00% de frais de gestion du contrat d’assurance vie ou de capitalisation. TRA nets hors autres frais, fiscalité et prélèvements sociaux applicables au cadre d’investissement, et hors défaut de paiement et/ou faillite de l’Émetteur et du Garant de la formule et hors mise en résolution du Garant de la formule. Les TRA sont calculés à partir du &lt;2PDC&gt; jusqu’à la date de remboursement anticipé automatique éventuel</a:t>
             </a:r>
             <a:r>
               <a:rPr lang="fr-FR" sz="650" baseline="30000" dirty="0">
@@ -26706,9 +26472,7 @@
               <a:t>, </a:t>
             </a:r>
             <a:r>
-              <a:rPr lang="fr-FR" sz="800" dirty="0">
-                <a:latin typeface="Proxima Nova Rg" panose="02000506030000020004" pitchFamily="2" charset="0"/>
-              </a:rPr>
+              <a:rPr lang="fr-FR" sz="800" dirty="0"/>
               <a:t>l’investisseur peut recevoir un coupon de &lt;CPN&gt; dès lors que &lt;SJR1&gt; clôture à un &lt;SJR3&gt; supérieur ou égal à &lt;ABAC2&gt;</a:t>
             </a:r>
             <a:r>
@@ -26719,7 +26483,7 @@
                 <a:ea typeface="SimSun" pitchFamily="2" charset="-122"/>
                 <a:cs typeface="Times New Roman" pitchFamily="18" charset="0"/>
               </a:rPr>
-              <a:t>. </a:t>
+              <a:t>.</a:t>
             </a:r>
           </a:p>
           <a:p>
@@ -26761,7 +26525,7 @@
                   <a:srgbClr val="000000"/>
                 </a:solidFill>
               </a:rPr>
-              <a:t>A l’issue &lt;DU&gt; &lt;F0&gt; &lt;1PR&gt; à &lt;ADPR&gt;, si à l’une des dates de constatation &lt;F1&gt; correspondantes</a:t>
+              <a:t>De la fin &lt;DU&gt; &lt;F0&gt; &lt;1PR&gt; jusqu'à la fin &lt;DU&gt; &lt;F0&gt; &lt;ADPR&gt;, si à l’une des dates de constatation &lt;F1&gt; correspondantes</a:t>
             </a:r>
             <a:r>
               <a:rPr lang="fr-FR" sz="800" baseline="30000" dirty="0">
@@ -26777,7 +26541,7 @@
                   <a:srgbClr val="000000"/>
                 </a:solidFill>
               </a:rPr>
-              <a:t> ,&lt;SJR1&gt; clôture à un &lt;SJR3&gt; supérieur ou égal à &lt;ABAC&gt;, </a:t>
+              <a:t> &lt;SJR1&gt; clôture à un &lt;SJR3&gt; supérieur ou égal à &lt;ABAC&gt;, </a:t>
             </a:r>
             <a:r>
               <a:rPr lang="fr-FR" sz="800" b="1" dirty="0">
@@ -26793,27 +26557,13 @@
                   <a:srgbClr val="000000"/>
                 </a:solidFill>
               </a:rPr>
-              <a:t>et l’investisseur récupère alors l’intégralité de son capital initial majorée du coupon de &lt;CPN&gt; &lt;Mémoire6&gt; (soit un Taux de Rendement Annuel maximum de </a:t>
-            </a:r>
-            <a:r>
-              <a:rPr lang="fr-FR" sz="800" dirty="0">
+              <a:t>et l’investisseur récupère alors l’intégralité de son capital initial majorée du coupon de &lt;CPN&gt; &lt;Mémoire6&gt; (soit un taux de rendement annuel net maximum de &lt;TRA.MRA.MAX.P&gt;</a:t>
+            </a:r>
+            <a:r>
+              <a:rPr lang="fr-FR" sz="800" baseline="30000" dirty="0">
                 <a:solidFill>
                   <a:srgbClr val="000000"/>
                 </a:solidFill>
-                <a:highlight>
-                  <a:srgbClr val="FFFF00"/>
-                </a:highlight>
-              </a:rPr>
-              <a:t>&lt;TRA.MAX.P&gt;</a:t>
-            </a:r>
-            <a:r>
-              <a:rPr lang="fr-FR" sz="800" baseline="30000" dirty="0">
-                <a:solidFill>
-                  <a:srgbClr val="000000"/>
-                </a:solidFill>
-                <a:highlight>
-                  <a:srgbClr val="FFFF00"/>
-                </a:highlight>
                 <a:ea typeface="SimSun" pitchFamily="2" charset="-122"/>
                 <a:cs typeface="Times New Roman" pitchFamily="18" charset="0"/>
               </a:rPr>
@@ -26824,9 +26574,6 @@
                 <a:solidFill>
                   <a:srgbClr val="000000"/>
                 </a:solidFill>
-                <a:highlight>
-                  <a:srgbClr val="FFFF00"/>
-                </a:highlight>
                 <a:ea typeface="SimSun" pitchFamily="2" charset="-122"/>
                 <a:cs typeface="Times New Roman" pitchFamily="18" charset="0"/>
               </a:rPr>
@@ -26850,15 +26597,15 @@
                   <a:srgbClr val="000000"/>
                 </a:solidFill>
               </a:rPr>
-              <a:t>A la date de constatation finale(1), si le </a:t>
-            </a:r>
-            <a:r>
-              <a:rPr lang="fr-FR" sz="800" dirty="0" err="1">
+              <a:t>À la date de constatation finale</a:t>
+            </a:r>
+            <a:r>
+              <a:rPr lang="fr-FR" sz="800" baseline="30000" dirty="0">
                 <a:solidFill>
                   <a:srgbClr val="000000"/>
                 </a:solidFill>
               </a:rPr>
-              <a:t>méacanisme</a:t>
+              <a:t>(1)</a:t>
             </a:r>
             <a:r>
               <a:rPr lang="fr-FR" sz="800" dirty="0">
@@ -26866,7 +26613,23 @@
                   <a:srgbClr val="000000"/>
                 </a:solidFill>
               </a:rPr>
-              <a:t> de remboursement anticipé n’a pas été activé au préalable, et si &lt;SJR1&gt; clôture à un cours strictement inférieur à &lt;ABAC2&gt; mais supérieur ou égal à &lt;PDI&gt; de son «&lt;ABAC2&gt;, l’investisseur récupère l’intégralité de son capital initialement investi. Le capital est donc exposé à un risque de perte à l’échéance(1) que si &lt;SJR1&gt; clôture à un &lt;SJR3&gt; strictement inférieur à &lt;PDI&gt; de son &lt;ABAC2&gt; à la date de constatation finale.</a:t>
+              <a:t>, si le mécanisme de remboursement anticipé n’a pas été activé au préalable, et si &lt;SJR1&gt; clôture à un &lt;SJR3&gt; supérieur ou égal à &lt;PDI&gt; de son &lt;NDR&gt;, l’investisseur récupère alors l’intégralité de son capital initial (soit un taux de rendement annuel net maximum de &lt;TRA.TOUT.P&gt;</a:t>
+            </a:r>
+            <a:r>
+              <a:rPr lang="fr-FR" sz="800" baseline="30000" dirty="0">
+                <a:solidFill>
+                  <a:srgbClr val="000000"/>
+                </a:solidFill>
+              </a:rPr>
+              <a:t>(2)</a:t>
+            </a:r>
+            <a:r>
+              <a:rPr lang="fr-FR" sz="800" dirty="0">
+                <a:solidFill>
+                  <a:srgbClr val="000000"/>
+                </a:solidFill>
+              </a:rPr>
+              <a:t>). </a:t>
             </a:r>
           </a:p>
           <a:p>
@@ -27088,7 +26851,7 @@
                   <a:srgbClr val="000000"/>
                 </a:solidFill>
               </a:rPr>
-              <a:t>L’investisseur ne connaît pas à l’avance la durée exacte de son investissement qui peut varier de </a:t>
+              <a:t>L’investisseur ne connaît pas à l’avance la durée exacte de son investissement qui peut varier de &lt;DUREE&gt;</a:t>
             </a:r>
             <a:r>
               <a:rPr lang="fr-FR" sz="800" b="1" dirty="0">
@@ -27096,7 +26859,7 @@
                   <a:srgbClr val="000000"/>
                 </a:solidFill>
               </a:rPr>
-              <a:t>&lt;1PR&gt; à &lt;DPRR&gt; &lt;F0&gt;&lt;F0s&gt;.</a:t>
+              <a:t>.</a:t>
             </a:r>
           </a:p>
           <a:p>
@@ -27127,7 +26890,7 @@
                   <a:srgbClr val="000000"/>
                 </a:solidFill>
               </a:rPr>
-              <a:t>mécanisme de plafonnement des gains à &lt;CPN&gt; par &lt;F0&gt; </a:t>
+              <a:t>mécanisme de plafonnement des gains à &lt;CPN&gt; &lt;environ&gt; par &lt;F0&gt; </a:t>
             </a:r>
             <a:r>
               <a:rPr lang="fr-FR" sz="800" dirty="0">
@@ -27135,26 +26898,15 @@
                   <a:srgbClr val="000000"/>
                 </a:solidFill>
               </a:rPr>
-              <a:t>(soit un Taux de Rendement Annuel net maximum de de de </a:t>
-            </a:r>
-            <a:r>
-              <a:rPr lang="fr-FR" sz="800" dirty="0">
+              <a:t>(soit un Taux de Rendement Annuel net maximum de &lt;TRA.TOUT.P&gt;</a:t>
+            </a:r>
+            <a:r>
+              <a:rPr lang="fr-FR" sz="800" baseline="30000" dirty="0">
                 <a:solidFill>
                   <a:srgbClr val="000000"/>
                 </a:solidFill>
-                <a:highlight>
-                  <a:srgbClr val="00FFFF"/>
-                </a:highlight>
-              </a:rPr>
-              <a:t>&lt;TRA.TOUT.P&gt;</a:t>
-            </a:r>
-            <a:r>
-              <a:rPr lang="fr-FR" sz="800" baseline="30000" dirty="0">
-                <a:solidFill>
-                  <a:srgbClr val="000000"/>
-                </a:solidFill>
-              </a:rPr>
-              <a:t>( </a:t>
+              </a:rPr>
+              <a:t>(</a:t>
             </a:r>
             <a:r>
               <a:rPr lang="fr-FR" sz="800" baseline="30000" dirty="0">
@@ -27476,43 +27228,25 @@
           <a:p>
             <a:pPr algn="just"/>
             <a:r>
-              <a:rPr lang="fr-FR" sz="650" baseline="30000" dirty="0">
+              <a:rPr lang="fr-FR" sz="650" dirty="0">
                 <a:solidFill>
                   <a:srgbClr val="000000"/>
                 </a:solidFill>
                 <a:latin typeface="Proxima Nova Rg" panose="02000506030000020004" pitchFamily="2" charset="0"/>
               </a:rPr>
-              <a:t>(1) </a:t>
-            </a:r>
-            <a:r>
-              <a:rPr lang="fr-FR" sz="650" dirty="0">
-                <a:solidFill>
-                  <a:srgbClr val="000000"/>
-                </a:solidFill>
-                <a:latin typeface="Proxima Nova Rg" panose="02000506030000020004" pitchFamily="2" charset="0"/>
-              </a:rPr>
-              <a:t>Veuillez vous référer au tableau récapitulant les principales caractéristiques financières en &lt;PAGE&gt; pour le détail des dates. </a:t>
+              <a:t>(1) Veuillez vous référer au tableau récapitulant les principales caractéristiques financières en &lt;PAGE&gt; pour le détail des dates. </a:t>
             </a:r>
           </a:p>
           <a:p>
             <a:pPr algn="just"/>
             <a:r>
-              <a:rPr lang="fr-FR" sz="650" baseline="30000" dirty="0">
+              <a:rPr lang="fr-FR" sz="650" dirty="0">
                 <a:solidFill>
                   <a:srgbClr val="000000"/>
                 </a:solidFill>
                 <a:latin typeface="Proxima Nova Rg" panose="02000506030000020004" pitchFamily="2" charset="0"/>
               </a:rPr>
-              <a:t>(2)</a:t>
-            </a:r>
-            <a:r>
-              <a:rPr lang="fr-FR" sz="650" dirty="0">
-                <a:solidFill>
-                  <a:srgbClr val="000000"/>
-                </a:solidFill>
-                <a:latin typeface="Proxima Nova Rg" panose="02000506030000020004" pitchFamily="2" charset="0"/>
-              </a:rPr>
-              <a:t> En prenant comme hypothèse 1,00% de frais de gestion du contrat d’assurance vie ou de capitalisation. TRA nets hors autres frais, fiscalité et prélèvements sociaux applicables au cadre d’investissement, et hors défaut de paiement et/ou faillite de l’Émetteur et du Garant de la formule et hors mise en résolution du Garant de la formule. Les TRA sont calculés à partir du &lt;2PDC&gt; jusqu’à la date de remboursement anticipé automatique éventuel</a:t>
+              <a:t>(2) En prenant comme hypothèse 1,00% de frais de gestion du contrat d’assurance vie ou de capitalisation. TRA nets hors autres frais, fiscalité et prélèvements sociaux applicables au cadre d’investissement, et hors défaut de paiement et/ou faillite de l’Émetteur et du Garant de la formule et hors mise en résolution du Garant de la formule. Les TRA sont calculés à partir du &lt;2PDC&gt; jusqu’à la date de remboursement anticipé automatique éventuel</a:t>
             </a:r>
             <a:r>
               <a:rPr lang="fr-FR" sz="650" baseline="30000" dirty="0">
@@ -28063,15 +27797,7 @@
             </a:pPr>
             <a:r>
               <a:rPr lang="fr-FR" sz="800" dirty="0"/>
-              <a:t>(soit un &lt;GC&gt; de &lt;GCE&gt; et un Taux de Rendement Annuel net de </a:t>
-            </a:r>
-            <a:r>
-              <a:rPr lang="fr-FR" sz="800" dirty="0">
-                <a:highlight>
-                  <a:srgbClr val="FFFF00"/>
-                </a:highlight>
-              </a:rPr>
-              <a:t>&lt;TRA.MG.A&gt;</a:t>
+              <a:t>(soit un &lt;GC&gt; de &lt;GCE&gt; et un Taux de Rendement Annuel net de &lt;TRA.MG.A&gt;</a:t>
             </a:r>
             <a:r>
               <a:rPr lang="fr-FR" sz="800" baseline="30000" dirty="0"/>
@@ -28338,15 +28064,7 @@
             </a:pPr>
             <a:r>
               <a:rPr lang="fr-FR" sz="800" dirty="0"/>
-              <a:t>(Soit un Taux de Rendement Annuel net compris entre </a:t>
-            </a:r>
-            <a:r>
-              <a:rPr lang="fr-FR" sz="800" dirty="0">
-                <a:highlight>
-                  <a:srgbClr val="FFFF00"/>
-                </a:highlight>
-              </a:rPr>
-              <a:t>&lt;TRA.MRA.MIN.A&gt;</a:t>
+              <a:t>(Soit un Taux de Rendement Annuel net compris entre &lt;TRA.MRA.MIN.A&gt;</a:t>
             </a:r>
             <a:r>
               <a:rPr lang="fr-FR" sz="800" baseline="30000" dirty="0"/>
@@ -28354,15 +28072,7 @@
             </a:r>
             <a:r>
               <a:rPr lang="fr-FR" sz="800" dirty="0"/>
-              <a:t>et </a:t>
-            </a:r>
-            <a:r>
-              <a:rPr lang="fr-FR" sz="800" dirty="0">
-                <a:highlight>
-                  <a:srgbClr val="FFFF00"/>
-                </a:highlight>
-              </a:rPr>
-              <a:t>&lt;TRA.F.A&gt;</a:t>
+              <a:t>et &lt;TRA.F.A&gt;</a:t>
             </a:r>
             <a:r>
               <a:rPr lang="fr-FR" sz="800" baseline="30000" dirty="0"/>
@@ -30374,43 +30084,25 @@
           <a:p>
             <a:pPr algn="just"/>
             <a:r>
-              <a:rPr lang="fr-FR" sz="650" baseline="30000" dirty="0">
+              <a:rPr lang="fr-FR" sz="650" dirty="0">
                 <a:solidFill>
                   <a:srgbClr val="000000"/>
                 </a:solidFill>
                 <a:latin typeface="Proxima Nova Rg" panose="02000506030000020004" pitchFamily="2" charset="0"/>
               </a:rPr>
-              <a:t>(1) </a:t>
-            </a:r>
-            <a:r>
-              <a:rPr lang="fr-FR" sz="650" dirty="0">
-                <a:solidFill>
-                  <a:srgbClr val="000000"/>
-                </a:solidFill>
-                <a:latin typeface="Proxima Nova Rg" panose="02000506030000020004" pitchFamily="2" charset="0"/>
-              </a:rPr>
-              <a:t>Veuillez vous référer au tableau récapitulant les principales caractéristiques financières en &lt;PAGE&gt; pour le détail des dates. </a:t>
+              <a:t>(1) Veuillez vous référer au tableau récapitulant les principales caractéristiques financières en &lt;PAGE&gt; pour le détail des dates. </a:t>
             </a:r>
           </a:p>
           <a:p>
             <a:pPr algn="just"/>
             <a:r>
-              <a:rPr lang="fr-FR" sz="650" baseline="30000" dirty="0">
+              <a:rPr lang="fr-FR" sz="650" dirty="0">
                 <a:solidFill>
                   <a:srgbClr val="000000"/>
                 </a:solidFill>
                 <a:latin typeface="Proxima Nova Rg" panose="02000506030000020004" pitchFamily="2" charset="0"/>
               </a:rPr>
-              <a:t>(2)</a:t>
-            </a:r>
-            <a:r>
-              <a:rPr lang="fr-FR" sz="650" dirty="0">
-                <a:solidFill>
-                  <a:srgbClr val="000000"/>
-                </a:solidFill>
-                <a:latin typeface="Proxima Nova Rg" panose="02000506030000020004" pitchFamily="2" charset="0"/>
-              </a:rPr>
-              <a:t> </a:t>
+              <a:t>(2) </a:t>
             </a:r>
             <a:r>
               <a:rPr lang="fr-FR" sz="700" dirty="0">
@@ -32475,8 +32167,8 @@
         </p:nvSpPr>
         <p:spPr>
           <a:xfrm>
-            <a:off x="1514766" y="7527810"/>
-            <a:ext cx="4457700" cy="1080000"/>
+            <a:off x="1514766" y="7748885"/>
+            <a:ext cx="4457700" cy="637849"/>
           </a:xfrm>
           <a:prstGeom prst="rect">
             <a:avLst/>
@@ -32713,15 +32405,7 @@
             </a:pPr>
             <a:r>
               <a:rPr lang="fr-FR" sz="800" dirty="0"/>
-              <a:t>(Soit un Taux de Rendement Annuel net compris entre </a:t>
-            </a:r>
-            <a:r>
-              <a:rPr lang="fr-FR" sz="800" dirty="0">
-                <a:highlight>
-                  <a:srgbClr val="FFFF00"/>
-                </a:highlight>
-              </a:rPr>
-              <a:t>&lt;TRA.MRA.MIN.A&gt;</a:t>
+              <a:t>(Soit un Taux de Rendement Annuel net compris entre &lt;TRA.MRA.MIN.A&gt;</a:t>
             </a:r>
             <a:r>
               <a:rPr lang="fr-FR" sz="800" baseline="30000" dirty="0"/>
@@ -32729,15 +32413,7 @@
             </a:r>
             <a:r>
               <a:rPr lang="fr-FR" sz="800" dirty="0"/>
-              <a:t>et </a:t>
-            </a:r>
-            <a:r>
-              <a:rPr lang="fr-FR" sz="800" dirty="0">
-                <a:highlight>
-                  <a:srgbClr val="FFFF00"/>
-                </a:highlight>
-              </a:rPr>
-              <a:t>&lt;TRA.F.A&gt;</a:t>
+              <a:t>et &lt;TRA.F.A&gt;</a:t>
             </a:r>
             <a:r>
               <a:rPr lang="fr-FR" sz="800" baseline="30000" dirty="0"/>
@@ -33093,8 +32769,8 @@
         </p:nvSpPr>
         <p:spPr>
           <a:xfrm>
-            <a:off x="1268906" y="2711286"/>
-            <a:ext cx="5021862" cy="1080000"/>
+            <a:off x="1268906" y="2932361"/>
+            <a:ext cx="5021862" cy="637849"/>
           </a:xfrm>
           <a:prstGeom prst="rect">
             <a:avLst/>
@@ -33331,15 +33007,7 @@
             </a:pPr>
             <a:r>
               <a:rPr lang="fr-FR" sz="800" dirty="0"/>
-              <a:t>(soit un Taux de Rendement Annuel net entre </a:t>
-            </a:r>
-            <a:r>
-              <a:rPr lang="fr-FR" sz="800" dirty="0">
-                <a:highlight>
-                  <a:srgbClr val="00FFFF"/>
-                </a:highlight>
-              </a:rPr>
-              <a:t>&lt;TRA.MRE.MIN.PM&gt;</a:t>
+              <a:t>(soit un Taux de Rendement Annuel net entre &lt;TRA.MRE.MIN.PM&gt;</a:t>
             </a:r>
             <a:r>
               <a:rPr lang="fr-FR" sz="800" baseline="30000" dirty="0"/>
@@ -33347,15 +33015,7 @@
             </a:r>
             <a:r>
               <a:rPr lang="fr-FR" sz="800" dirty="0"/>
-              <a:t> et </a:t>
-            </a:r>
-            <a:r>
-              <a:rPr lang="fr-FR" sz="800" dirty="0">
-                <a:highlight>
-                  <a:srgbClr val="00FFFF"/>
-                </a:highlight>
-              </a:rPr>
-              <a:t>&lt;TRA.TOUT.P&gt;</a:t>
+              <a:t> et &lt;TRA.TOUT.P&gt;</a:t>
             </a:r>
             <a:r>
               <a:rPr lang="fr-FR" sz="800" baseline="30000" dirty="0"/>
@@ -33584,8 +33244,8 @@
         </p:nvSpPr>
         <p:spPr>
           <a:xfrm>
-            <a:off x="1268906" y="6613989"/>
-            <a:ext cx="5021862" cy="900000"/>
+            <a:off x="1268906" y="6745064"/>
+            <a:ext cx="5021862" cy="637849"/>
           </a:xfrm>
           <a:prstGeom prst="rect">
             <a:avLst/>
@@ -33821,6 +33481,19 @@
               <a:rPr lang="fr-FR" sz="800" dirty="0"/>
               <a:t>(Soit un Taux de Rendement Annuel net inférieur ou égal à &lt;TRA.MED.P&gt;</a:t>
             </a:r>
+            <a:r>
+              <a:rPr lang="fr-FR" sz="800" baseline="30000" dirty="0">
+                <a:latin typeface="+mn-lt"/>
+              </a:rPr>
+              <a:t>(2)</a:t>
+            </a:r>
+            <a:r>
+              <a:rPr lang="fr-FR" sz="800" dirty="0">
+                <a:latin typeface="+mn-lt"/>
+              </a:rPr>
+              <a:t>)</a:t>
+            </a:r>
+            <a:endParaRPr lang="fr-FR" sz="800" dirty="0"/>
           </a:p>
           <a:p>
             <a:pPr marL="0" indent="0" algn="ctr">
@@ -33855,8 +33528,8 @@
         </p:nvSpPr>
         <p:spPr>
           <a:xfrm>
-            <a:off x="1268906" y="4650430"/>
-            <a:ext cx="5021862" cy="504000"/>
+            <a:off x="1268906" y="4706616"/>
+            <a:ext cx="5021862" cy="391628"/>
           </a:xfrm>
           <a:prstGeom prst="rect">
             <a:avLst/>
@@ -34011,11 +33684,7 @@
               <a:t>(soit un Taux de Rendement Annuel net compris entre -1,00% et </a:t>
             </a:r>
             <a:r>
-              <a:rPr lang="fr-FR" sz="800" dirty="0">
-                <a:highlight>
-                  <a:srgbClr val="00FFFF"/>
-                </a:highlight>
-              </a:rPr>
+              <a:rPr lang="fr-FR" sz="800" dirty="0"/>
               <a:t>&lt;TRA.TOUT.SAUF.P&gt;</a:t>
             </a:r>
             <a:r>
@@ -34549,43 +34218,25 @@
           <a:p>
             <a:pPr marL="0" lvl="1" algn="just"/>
             <a:r>
-              <a:rPr lang="fr-FR" sz="650" baseline="30000" dirty="0">
+              <a:rPr lang="fr-FR" sz="650" dirty="0">
                 <a:solidFill>
                   <a:schemeClr val="tx2"/>
                 </a:solidFill>
                 <a:latin typeface="+mn-lt"/>
               </a:rPr>
-              <a:t>(1)</a:t>
-            </a:r>
-            <a:r>
-              <a:rPr lang="fr-FR" sz="650" dirty="0">
-                <a:solidFill>
-                  <a:schemeClr val="tx2"/>
-                </a:solidFill>
-                <a:latin typeface="+mn-lt"/>
-              </a:rPr>
-              <a:t> Veuillez vous référer au tableau récapitulant les principales caractéristiques financières en &lt;PAGE&gt; pour le détail des dates. </a:t>
+              <a:t>(1) Veuillez vous référer au tableau récapitulant les principales caractéristiques financières en &lt;PAGE&gt; pour le détail des dates. </a:t>
             </a:r>
           </a:p>
           <a:p>
             <a:pPr marL="0" lvl="1" algn="just"/>
             <a:r>
-              <a:rPr lang="fr-FR" sz="650" baseline="30000" dirty="0">
+              <a:rPr lang="fr-FR" sz="650" dirty="0">
                 <a:solidFill>
                   <a:schemeClr val="tx2"/>
                 </a:solidFill>
                 <a:latin typeface="+mn-lt"/>
               </a:rPr>
-              <a:t>(2)</a:t>
-            </a:r>
-            <a:r>
-              <a:rPr lang="fr-FR" sz="650" dirty="0">
-                <a:solidFill>
-                  <a:schemeClr val="tx2"/>
-                </a:solidFill>
-                <a:latin typeface="+mn-lt"/>
-              </a:rPr>
-              <a:t> En prenant comme hypothèse 1,00% de frais de gestion du contrat d’assurance vie ou de capitalisation. TRA nets hors autres frais, fiscalité et prélèvements sociaux applicables au cadre d’investissement, et hors défaut de paiement et/ou faillite de l’Émetteur et du Garant de la formule et hors mise en résolution du Garant de la formule. Les TRA sont calculés à partir du &lt;2PDC&gt; jusqu’à la date de remboursement anticipé automatique éventuel</a:t>
+              <a:t>(2) En prenant comme hypothèse 1,00% de frais de gestion du contrat d’assurance vie ou de capitalisation. TRA nets hors autres frais, fiscalité et prélèvements sociaux applicables au cadre d’investissement, et hors défaut de paiement et/ou faillite de l’Émetteur et du Garant de la formule et hors mise en résolution du Garant de la formule. Les TRA sont calculés à partir du &lt;2PDC&gt; jusqu’à la date de remboursement anticipé automatique éventuel</a:t>
             </a:r>
             <a:r>
               <a:rPr lang="fr-FR" sz="650" baseline="30000" dirty="0">
@@ -34627,57 +34278,27 @@
           <a:p>
             <a:pPr marL="0" lvl="1" algn="just"/>
             <a:r>
-              <a:rPr lang="fr-FR" sz="650" baseline="30000" dirty="0">
+              <a:rPr lang="fr-FR" sz="650" dirty="0">
                 <a:solidFill>
                   <a:schemeClr val="tx2"/>
                 </a:solidFill>
                 <a:latin typeface="+mn-lt"/>
               </a:rPr>
-              <a:t>(3</a:t>
-            </a:r>
-            <a:r>
-              <a:rPr lang="fr-FR" sz="650" baseline="30000" dirty="0">
+              <a:t>(3) Hors prise en compte des dividendes éventuels détachés par </a:t>
+            </a:r>
+            <a:r>
+              <a:rPr lang="it-IT" sz="650" dirty="0">
                 <a:solidFill>
                   <a:schemeClr val="tx2"/>
                 </a:solidFill>
-                <a:highlight>
-                  <a:srgbClr val="FFFF00"/>
-                </a:highlight>
                 <a:latin typeface="+mn-lt"/>
               </a:rPr>
-              <a:t>) </a:t>
-            </a:r>
-            <a:r>
-              <a:rPr lang="fr-FR" sz="650" dirty="0">
-                <a:solidFill>
-                  <a:schemeClr val="tx2"/>
-                </a:solidFill>
-                <a:highlight>
-                  <a:srgbClr val="FFFF00"/>
-                </a:highlight>
-                <a:latin typeface="+mn-lt"/>
-              </a:rPr>
-              <a:t>Hors prise en compte des dividendes éventuels détachés par </a:t>
-            </a:r>
-            <a:r>
-              <a:rPr lang="it-IT" sz="650" dirty="0">
-                <a:solidFill>
-                  <a:schemeClr val="tx2"/>
-                </a:solidFill>
-                <a:highlight>
-                  <a:srgbClr val="FFFF00"/>
-                </a:highlight>
-                <a:latin typeface="+mn-lt"/>
-              </a:rPr>
-              <a:t>&lt;SJR1&gt;</a:t>
+              <a:t>&lt;SJR1&gt;.</a:t>
             </a:r>
             <a:endParaRPr lang="fr-FR" sz="650" dirty="0">
               <a:solidFill>
                 <a:schemeClr val="tx2"/>
               </a:solidFill>
-              <a:highlight>
-                <a:srgbClr val="FFFF00"/>
-              </a:highlight>
               <a:latin typeface="+mn-lt"/>
             </a:endParaRPr>
           </a:p>
@@ -35709,7 +35330,7 @@
                 </a:solidFill>
                 <a:latin typeface="Proxima Nova Rg" panose="02000506030000020004" pitchFamily="2" charset="0"/>
               </a:rPr>
-              <a:t>un &lt;SJR3&gt; supérieur à &lt;ABAC&gt; &lt;ABAC&gt; </a:t>
+              <a:t>un &lt;SJR3&gt; supérieur à &lt;ABAC&gt; </a:t>
             </a:r>
             <a:r>
               <a:rPr lang="fr-FR" sz="800" dirty="0">
@@ -36924,6 +36545,27 @@
 </file>
 
 <file path=customXml/item1.xml><?xml version="1.0" encoding="utf-8"?>
+<?mso-contentType ?>
+<FormTemplates xmlns="http://schemas.microsoft.com/sharepoint/v3/contenttype/forms">
+  <Display>DocumentLibraryForm</Display>
+  <Edit>DocumentLibraryForm</Edit>
+  <New>DocumentLibraryForm</New>
+</FormTemplates>
+</file>
+
+<file path=customXml/item2.xml><?xml version="1.0" encoding="utf-8"?>
+<p:properties xmlns:p="http://schemas.microsoft.com/office/2006/metadata/properties" xmlns:xsi="http://www.w3.org/2001/XMLSchema-instance" xmlns:pc="http://schemas.microsoft.com/office/infopath/2007/PartnerControls">
+  <documentManagement>
+    <_Flow_SignoffStatus xmlns="ef624bc2-1644-4d69-8362-5c28ca496374" xsi:nil="true"/>
+    <TaxCatchAll xmlns="514a554b-82b0-4359-b247-fc84018a95f0" xsi:nil="true"/>
+    <lcf76f155ced4ddcb4097134ff3c332f xmlns="ef624bc2-1644-4d69-8362-5c28ca496374">
+      <Terms xmlns="http://schemas.microsoft.com/office/infopath/2007/PartnerControls"/>
+    </lcf76f155ced4ddcb4097134ff3c332f>
+  </documentManagement>
+</p:properties>
+</file>
+
+<file path=customXml/item3.xml><?xml version="1.0" encoding="utf-8"?>
 <ct:contentTypeSchema xmlns:ct="http://schemas.microsoft.com/office/2006/metadata/contentType" xmlns:ma="http://schemas.microsoft.com/office/2006/metadata/properties/metaAttributes" ct:_="" ma:_="" ma:contentTypeName="Document" ma:contentTypeID="0x0101005DDE610BC516E448BB8152259F39635A" ma:contentTypeVersion="17" ma:contentTypeDescription="Crée un document." ma:contentTypeScope="" ma:versionID="bfb75e103009df80b8e5001438c41194">
   <xsd:schema xmlns:xsd="http://www.w3.org/2001/XMLSchema" xmlns:xs="http://www.w3.org/2001/XMLSchema" xmlns:p="http://schemas.microsoft.com/office/2006/metadata/properties" xmlns:ns2="ef624bc2-1644-4d69-8362-5c28ca496374" xmlns:ns3="514a554b-82b0-4359-b247-fc84018a95f0" targetNamespace="http://schemas.microsoft.com/office/2006/metadata/properties" ma:root="true" ma:fieldsID="2ae3df86d13efbb4a35042af2564d386" ns2:_="" ns3:_="">
     <xsd:import namespace="ef624bc2-1644-4d69-8362-5c28ca496374"/>
@@ -37172,42 +36814,10 @@
 </ct:contentTypeSchema>
 </file>
 
-<file path=customXml/item2.xml><?xml version="1.0" encoding="utf-8"?>
-<p:properties xmlns:p="http://schemas.microsoft.com/office/2006/metadata/properties" xmlns:xsi="http://www.w3.org/2001/XMLSchema-instance" xmlns:pc="http://schemas.microsoft.com/office/infopath/2007/PartnerControls">
-  <documentManagement>
-    <_Flow_SignoffStatus xmlns="ef624bc2-1644-4d69-8362-5c28ca496374" xsi:nil="true"/>
-    <TaxCatchAll xmlns="514a554b-82b0-4359-b247-fc84018a95f0" xsi:nil="true"/>
-    <lcf76f155ced4ddcb4097134ff3c332f xmlns="ef624bc2-1644-4d69-8362-5c28ca496374">
-      <Terms xmlns="http://schemas.microsoft.com/office/infopath/2007/PartnerControls"/>
-    </lcf76f155ced4ddcb4097134ff3c332f>
-  </documentManagement>
-</p:properties>
-</file>
-
-<file path=customXml/item3.xml><?xml version="1.0" encoding="utf-8"?>
-<?mso-contentType ?>
-<FormTemplates xmlns="http://schemas.microsoft.com/sharepoint/v3/contenttype/forms">
-  <Display>DocumentLibraryForm</Display>
-  <Edit>DocumentLibraryForm</Edit>
-  <New>DocumentLibraryForm</New>
-</FormTemplates>
-</file>
-
 <file path=customXml/itemProps1.xml><?xml version="1.0" encoding="utf-8"?>
-<ds:datastoreItem xmlns:ds="http://schemas.openxmlformats.org/officeDocument/2006/customXml" ds:itemID="{115E78FA-E8F9-439D-BA67-131B3AD00AC0}">
+<ds:datastoreItem xmlns:ds="http://schemas.openxmlformats.org/officeDocument/2006/customXml" ds:itemID="{B00FC41E-FBDE-42E2-B58A-20EBD240A376}">
   <ds:schemaRefs>
-    <ds:schemaRef ds:uri="http://schemas.microsoft.com/office/2006/metadata/contentType"/>
-    <ds:schemaRef ds:uri="http://schemas.microsoft.com/office/2006/metadata/properties/metaAttributes"/>
-    <ds:schemaRef ds:uri="http://www.w3.org/2001/XMLSchema"/>
-    <ds:schemaRef ds:uri="http://schemas.microsoft.com/office/2006/metadata/properties"/>
-    <ds:schemaRef ds:uri="ef624bc2-1644-4d69-8362-5c28ca496374"/>
-    <ds:schemaRef ds:uri="514a554b-82b0-4359-b247-fc84018a95f0"/>
-    <ds:schemaRef ds:uri="http://schemas.microsoft.com/office/2006/documentManagement/types"/>
-    <ds:schemaRef ds:uri="http://schemas.microsoft.com/office/infopath/2007/PartnerControls"/>
-    <ds:schemaRef ds:uri="http://schemas.openxmlformats.org/package/2006/metadata/core-properties"/>
-    <ds:schemaRef ds:uri="http://purl.org/dc/elements/1.1/"/>
-    <ds:schemaRef ds:uri="http://purl.org/dc/terms/"/>
-    <ds:schemaRef ds:uri="http://schemas.microsoft.com/internal/obd"/>
+    <ds:schemaRef ds:uri="http://schemas.microsoft.com/sharepoint/v3/contenttype/forms"/>
   </ds:schemaRefs>
 </ds:datastoreItem>
 </file>
@@ -37231,9 +36841,20 @@
 </file>
 
 <file path=customXml/itemProps3.xml><?xml version="1.0" encoding="utf-8"?>
-<ds:datastoreItem xmlns:ds="http://schemas.openxmlformats.org/officeDocument/2006/customXml" ds:itemID="{B00FC41E-FBDE-42E2-B58A-20EBD240A376}">
+<ds:datastoreItem xmlns:ds="http://schemas.openxmlformats.org/officeDocument/2006/customXml" ds:itemID="{115E78FA-E8F9-439D-BA67-131B3AD00AC0}">
   <ds:schemaRefs>
-    <ds:schemaRef ds:uri="http://schemas.microsoft.com/sharepoint/v3/contenttype/forms"/>
+    <ds:schemaRef ds:uri="http://schemas.microsoft.com/office/2006/metadata/contentType"/>
+    <ds:schemaRef ds:uri="http://schemas.microsoft.com/office/2006/metadata/properties/metaAttributes"/>
+    <ds:schemaRef ds:uri="http://www.w3.org/2001/XMLSchema"/>
+    <ds:schemaRef ds:uri="http://schemas.microsoft.com/office/2006/metadata/properties"/>
+    <ds:schemaRef ds:uri="ef624bc2-1644-4d69-8362-5c28ca496374"/>
+    <ds:schemaRef ds:uri="514a554b-82b0-4359-b247-fc84018a95f0"/>
+    <ds:schemaRef ds:uri="http://schemas.microsoft.com/office/2006/documentManagement/types"/>
+    <ds:schemaRef ds:uri="http://schemas.microsoft.com/office/infopath/2007/PartnerControls"/>
+    <ds:schemaRef ds:uri="http://schemas.openxmlformats.org/package/2006/metadata/core-properties"/>
+    <ds:schemaRef ds:uri="http://purl.org/dc/elements/1.1/"/>
+    <ds:schemaRef ds:uri="http://purl.org/dc/terms/"/>
+    <ds:schemaRef ds:uri="http://schemas.microsoft.com/internal/obd"/>
   </ds:schemaRefs>
 </ds:datastoreItem>
 </file>
--- a/Templates/goldman sachs International.pptx
+++ b/Templates/goldman sachs International.pptx
@@ -880,7 +880,7 @@
           <a:p>
             <a:fld id="{515CCE07-1711-4DC7-A7D8-7ED312C82FB8}" type="datetimeFigureOut">
               <a:rPr lang="fr-FR" smtClean="0"/>
-              <a:t>15/07/2022</a:t>
+              <a:t>19/07/2022</a:t>
             </a:fld>
             <a:endParaRPr lang="fr-FR"/>
           </a:p>
@@ -1045,7 +1045,7 @@
           <a:p>
             <a:fld id="{014ABEAC-8B63-4BD1-9569-A14EB8752A94}" type="datetimeFigureOut">
               <a:rPr lang="fr-FR" smtClean="0"/>
-              <a:t>15/07/2022</a:t>
+              <a:t>19/07/2022</a:t>
             </a:fld>
             <a:endParaRPr lang="fr-FR"/>
           </a:p>
@@ -6912,7 +6912,7 @@
           <p:nvPr>
             <p:extLst>
               <p:ext uri="{D42A27DB-BD31-4B8C-83A1-F6EECF244321}">
-                <p14:modId xmlns:p14="http://schemas.microsoft.com/office/powerpoint/2010/main" val="2290197181"/>
+                <p14:modId xmlns:p14="http://schemas.microsoft.com/office/powerpoint/2010/main" val="1832226039"/>
               </p:ext>
             </p:extLst>
           </p:nvPr>
@@ -10570,18 +10570,7 @@
                           <a:ea typeface="+mn-ea"/>
                           <a:cs typeface="+mn-cs"/>
                         </a:rPr>
-                        <a:t>&lt;</a:t>
-                      </a:r>
-                      <a:r>
-                        <a:rPr lang="fr-FR" sz="700" b="0" i="0" kern="1200" baseline="0" dirty="0" err="1">
-                          <a:solidFill>
-                            <a:schemeClr val="tx1"/>
-                          </a:solidFill>
-                          <a:latin typeface="+mn-lt"/>
-                          <a:ea typeface="+mn-ea"/>
-                          <a:cs typeface="+mn-cs"/>
-                        </a:rPr>
-                        <a:t>dates_paiement_autocall</a:t>
+                        <a:t>&lt;Datesremb3</a:t>
                       </a:r>
                       <a:r>
                         <a:rPr lang="fr-FR" sz="700" b="0" i="0" kern="1200" baseline="0" dirty="0">
@@ -13774,7 +13763,7 @@
           <p:nvPr>
             <p:extLst>
               <p:ext uri="{D42A27DB-BD31-4B8C-83A1-F6EECF244321}">
-                <p14:modId xmlns:p14="http://schemas.microsoft.com/office/powerpoint/2010/main" val="627869434"/>
+                <p14:modId xmlns:p14="http://schemas.microsoft.com/office/powerpoint/2010/main" val="903847172"/>
               </p:ext>
             </p:extLst>
           </p:nvPr>
@@ -17953,7 +17942,7 @@
                         <a:defRPr/>
                       </a:pPr>
                       <a:r>
-                        <a:rPr lang="fr-FR" sz="700" b="0" i="0" kern="1200" dirty="0">
+                        <a:rPr lang="fr-FR" sz="700" b="0" i="0" kern="1200">
                           <a:solidFill>
                             <a:schemeClr val="tx1"/>
                           </a:solidFill>
@@ -17961,21 +17950,10 @@
                           <a:ea typeface="+mn-ea"/>
                           <a:cs typeface="+mn-cs"/>
                         </a:rPr>
-                        <a:t>&lt;</a:t>
+                        <a:t>&lt;Datesremb3</a:t>
                       </a:r>
                       <a:r>
-                        <a:rPr lang="fr-FR" sz="700" b="0" i="0" kern="1200" dirty="0" err="1">
-                          <a:solidFill>
-                            <a:schemeClr val="tx1"/>
-                          </a:solidFill>
-                          <a:latin typeface="+mn-lt"/>
-                          <a:ea typeface="+mn-ea"/>
-                          <a:cs typeface="+mn-cs"/>
-                        </a:rPr>
-                        <a:t>dates_last_remboursement_rappel</a:t>
-                      </a:r>
-                      <a:r>
-                        <a:rPr lang="fr-FR" sz="700" b="0" i="0" kern="1200" dirty="0">
+                        <a:rPr lang="fr-FR" sz="700" b="0" i="0" kern="1200" baseline="0">
                           <a:solidFill>
                             <a:schemeClr val="tx1"/>
                           </a:solidFill>
@@ -17985,6 +17963,14 @@
                         </a:rPr>
                         <a:t>&gt;</a:t>
                       </a:r>
+                      <a:endParaRPr lang="fr-FR" sz="700" b="0" i="0" kern="1200" baseline="0" dirty="0">
+                        <a:solidFill>
+                          <a:schemeClr val="tx1"/>
+                        </a:solidFill>
+                        <a:latin typeface="+mn-lt"/>
+                        <a:ea typeface="+mn-ea"/>
+                        <a:cs typeface="+mn-cs"/>
+                      </a:endParaRPr>
                     </a:p>
                   </a:txBody>
                   <a:tcPr marL="72000" marR="72000" marT="46800" marB="46800" anchor="ctr" horzOverflow="overflow">
@@ -36545,27 +36531,6 @@
 </file>
 
 <file path=customXml/item1.xml><?xml version="1.0" encoding="utf-8"?>
-<?mso-contentType ?>
-<FormTemplates xmlns="http://schemas.microsoft.com/sharepoint/v3/contenttype/forms">
-  <Display>DocumentLibraryForm</Display>
-  <Edit>DocumentLibraryForm</Edit>
-  <New>DocumentLibraryForm</New>
-</FormTemplates>
-</file>
-
-<file path=customXml/item2.xml><?xml version="1.0" encoding="utf-8"?>
-<p:properties xmlns:p="http://schemas.microsoft.com/office/2006/metadata/properties" xmlns:xsi="http://www.w3.org/2001/XMLSchema-instance" xmlns:pc="http://schemas.microsoft.com/office/infopath/2007/PartnerControls">
-  <documentManagement>
-    <_Flow_SignoffStatus xmlns="ef624bc2-1644-4d69-8362-5c28ca496374" xsi:nil="true"/>
-    <TaxCatchAll xmlns="514a554b-82b0-4359-b247-fc84018a95f0" xsi:nil="true"/>
-    <lcf76f155ced4ddcb4097134ff3c332f xmlns="ef624bc2-1644-4d69-8362-5c28ca496374">
-      <Terms xmlns="http://schemas.microsoft.com/office/infopath/2007/PartnerControls"/>
-    </lcf76f155ced4ddcb4097134ff3c332f>
-  </documentManagement>
-</p:properties>
-</file>
-
-<file path=customXml/item3.xml><?xml version="1.0" encoding="utf-8"?>
 <ct:contentTypeSchema xmlns:ct="http://schemas.microsoft.com/office/2006/metadata/contentType" xmlns:ma="http://schemas.microsoft.com/office/2006/metadata/properties/metaAttributes" ct:_="" ma:_="" ma:contentTypeName="Document" ma:contentTypeID="0x0101005DDE610BC516E448BB8152259F39635A" ma:contentTypeVersion="17" ma:contentTypeDescription="Crée un document." ma:contentTypeScope="" ma:versionID="bfb75e103009df80b8e5001438c41194">
   <xsd:schema xmlns:xsd="http://www.w3.org/2001/XMLSchema" xmlns:xs="http://www.w3.org/2001/XMLSchema" xmlns:p="http://schemas.microsoft.com/office/2006/metadata/properties" xmlns:ns2="ef624bc2-1644-4d69-8362-5c28ca496374" xmlns:ns3="514a554b-82b0-4359-b247-fc84018a95f0" targetNamespace="http://schemas.microsoft.com/office/2006/metadata/properties" ma:root="true" ma:fieldsID="2ae3df86d13efbb4a35042af2564d386" ns2:_="" ns3:_="">
     <xsd:import namespace="ef624bc2-1644-4d69-8362-5c28ca496374"/>
@@ -36814,10 +36779,42 @@
 </ct:contentTypeSchema>
 </file>
 
+<file path=customXml/item2.xml><?xml version="1.0" encoding="utf-8"?>
+<p:properties xmlns:p="http://schemas.microsoft.com/office/2006/metadata/properties" xmlns:xsi="http://www.w3.org/2001/XMLSchema-instance" xmlns:pc="http://schemas.microsoft.com/office/infopath/2007/PartnerControls">
+  <documentManagement>
+    <_Flow_SignoffStatus xmlns="ef624bc2-1644-4d69-8362-5c28ca496374" xsi:nil="true"/>
+    <TaxCatchAll xmlns="514a554b-82b0-4359-b247-fc84018a95f0" xsi:nil="true"/>
+    <lcf76f155ced4ddcb4097134ff3c332f xmlns="ef624bc2-1644-4d69-8362-5c28ca496374">
+      <Terms xmlns="http://schemas.microsoft.com/office/infopath/2007/PartnerControls"/>
+    </lcf76f155ced4ddcb4097134ff3c332f>
+  </documentManagement>
+</p:properties>
+</file>
+
+<file path=customXml/item3.xml><?xml version="1.0" encoding="utf-8"?>
+<?mso-contentType ?>
+<FormTemplates xmlns="http://schemas.microsoft.com/sharepoint/v3/contenttype/forms">
+  <Display>DocumentLibraryForm</Display>
+  <Edit>DocumentLibraryForm</Edit>
+  <New>DocumentLibraryForm</New>
+</FormTemplates>
+</file>
+
 <file path=customXml/itemProps1.xml><?xml version="1.0" encoding="utf-8"?>
-<ds:datastoreItem xmlns:ds="http://schemas.openxmlformats.org/officeDocument/2006/customXml" ds:itemID="{B00FC41E-FBDE-42E2-B58A-20EBD240A376}">
+<ds:datastoreItem xmlns:ds="http://schemas.openxmlformats.org/officeDocument/2006/customXml" ds:itemID="{115E78FA-E8F9-439D-BA67-131B3AD00AC0}">
   <ds:schemaRefs>
-    <ds:schemaRef ds:uri="http://schemas.microsoft.com/sharepoint/v3/contenttype/forms"/>
+    <ds:schemaRef ds:uri="http://schemas.microsoft.com/office/2006/metadata/contentType"/>
+    <ds:schemaRef ds:uri="http://schemas.microsoft.com/office/2006/metadata/properties/metaAttributes"/>
+    <ds:schemaRef ds:uri="http://www.w3.org/2001/XMLSchema"/>
+    <ds:schemaRef ds:uri="http://schemas.microsoft.com/office/2006/metadata/properties"/>
+    <ds:schemaRef ds:uri="ef624bc2-1644-4d69-8362-5c28ca496374"/>
+    <ds:schemaRef ds:uri="514a554b-82b0-4359-b247-fc84018a95f0"/>
+    <ds:schemaRef ds:uri="http://schemas.microsoft.com/office/2006/documentManagement/types"/>
+    <ds:schemaRef ds:uri="http://schemas.microsoft.com/office/infopath/2007/PartnerControls"/>
+    <ds:schemaRef ds:uri="http://schemas.openxmlformats.org/package/2006/metadata/core-properties"/>
+    <ds:schemaRef ds:uri="http://purl.org/dc/elements/1.1/"/>
+    <ds:schemaRef ds:uri="http://purl.org/dc/terms/"/>
+    <ds:schemaRef ds:uri="http://schemas.microsoft.com/internal/obd"/>
   </ds:schemaRefs>
 </ds:datastoreItem>
 </file>
@@ -36841,20 +36838,9 @@
 </file>
 
 <file path=customXml/itemProps3.xml><?xml version="1.0" encoding="utf-8"?>
-<ds:datastoreItem xmlns:ds="http://schemas.openxmlformats.org/officeDocument/2006/customXml" ds:itemID="{115E78FA-E8F9-439D-BA67-131B3AD00AC0}">
+<ds:datastoreItem xmlns:ds="http://schemas.openxmlformats.org/officeDocument/2006/customXml" ds:itemID="{B00FC41E-FBDE-42E2-B58A-20EBD240A376}">
   <ds:schemaRefs>
-    <ds:schemaRef ds:uri="http://schemas.microsoft.com/office/2006/metadata/contentType"/>
-    <ds:schemaRef ds:uri="http://schemas.microsoft.com/office/2006/metadata/properties/metaAttributes"/>
-    <ds:schemaRef ds:uri="http://www.w3.org/2001/XMLSchema"/>
-    <ds:schemaRef ds:uri="http://schemas.microsoft.com/office/2006/metadata/properties"/>
-    <ds:schemaRef ds:uri="ef624bc2-1644-4d69-8362-5c28ca496374"/>
-    <ds:schemaRef ds:uri="514a554b-82b0-4359-b247-fc84018a95f0"/>
-    <ds:schemaRef ds:uri="http://schemas.microsoft.com/office/2006/documentManagement/types"/>
-    <ds:schemaRef ds:uri="http://schemas.microsoft.com/office/infopath/2007/PartnerControls"/>
-    <ds:schemaRef ds:uri="http://schemas.openxmlformats.org/package/2006/metadata/core-properties"/>
-    <ds:schemaRef ds:uri="http://purl.org/dc/elements/1.1/"/>
-    <ds:schemaRef ds:uri="http://purl.org/dc/terms/"/>
-    <ds:schemaRef ds:uri="http://schemas.microsoft.com/internal/obd"/>
+    <ds:schemaRef ds:uri="http://schemas.microsoft.com/sharepoint/v3/contenttype/forms"/>
   </ds:schemaRefs>
 </ds:datastoreItem>
 </file>